--- a/Slides/PH223_Lecture_17.pptx
+++ b/Slides/PH223_Lecture_17.pptx
@@ -8,7 +8,7 @@
     <p:notesMasterId r:id="rId34"/>
   </p:notesMasterIdLst>
   <p:sldIdLst>
-    <p:sldId id="256" r:id="rId2"/>
+    <p:sldId id="257" r:id="rId2"/>
     <p:sldId id="1266" r:id="rId3"/>
     <p:sldId id="1267" r:id="rId4"/>
     <p:sldId id="1268" r:id="rId5"/>
@@ -29,7 +29,7 @@
     <p:sldId id="263" r:id="rId20"/>
     <p:sldId id="259" r:id="rId21"/>
     <p:sldId id="260" r:id="rId22"/>
-    <p:sldId id="257" r:id="rId23"/>
+    <p:sldId id="1401" r:id="rId23"/>
     <p:sldId id="258" r:id="rId24"/>
     <p:sldId id="1281" r:id="rId25"/>
     <p:sldId id="1279" r:id="rId26"/>
@@ -160,7 +160,7 @@
 <file path=ppt/revisionInfo.xml><?xml version="1.0" encoding="utf-8"?>
 <p1510:revInfo xmlns:a="http://schemas.openxmlformats.org/drawingml/2006/main" xmlns:r="http://schemas.openxmlformats.org/officeDocument/2006/relationships" xmlns:p1510="http://schemas.microsoft.com/office/powerpoint/2015/10/main">
   <p1510:revLst>
-    <p1510:client id="{556DC718-82DC-4E1C-B9AA-6E06337FEA53}" v="2" dt="2023-10-07T00:04:54.779"/>
+    <p1510:client id="{B7B82E5F-F831-4829-BBB3-747E5ECF0875}" v="1" dt="2024-02-05T22:03:48.120"/>
   </p1510:revLst>
 </p1510:revInfo>
 </file>
@@ -367,6 +367,1073 @@
       </pc:sldChg>
     </pc:docChg>
   </pc:docChgLst>
+  <pc:docChgLst>
+    <pc:chgData name="Lines, Todd" userId="afaf7c3a-e8aa-4568-882a-02ad8f9e19b0" providerId="ADAL" clId="{B7B82E5F-F831-4829-BBB3-747E5ECF0875}"/>
+    <pc:docChg chg="addSld delSld modSld">
+      <pc:chgData name="Lines, Todd" userId="afaf7c3a-e8aa-4568-882a-02ad8f9e19b0" providerId="ADAL" clId="{B7B82E5F-F831-4829-BBB3-747E5ECF0875}" dt="2024-02-05T22:03:52.489" v="264" actId="47"/>
+      <pc:docMkLst>
+        <pc:docMk/>
+      </pc:docMkLst>
+      <pc:sldChg chg="del">
+        <pc:chgData name="Lines, Todd" userId="afaf7c3a-e8aa-4568-882a-02ad8f9e19b0" providerId="ADAL" clId="{B7B82E5F-F831-4829-BBB3-747E5ECF0875}" dt="2024-02-05T22:02:09.560" v="261" actId="47"/>
+        <pc:sldMkLst>
+          <pc:docMk/>
+          <pc:sldMk cId="0" sldId="256"/>
+        </pc:sldMkLst>
+      </pc:sldChg>
+      <pc:sldChg chg="new del">
+        <pc:chgData name="Lines, Todd" userId="afaf7c3a-e8aa-4568-882a-02ad8f9e19b0" providerId="ADAL" clId="{B7B82E5F-F831-4829-BBB3-747E5ECF0875}" dt="2024-02-05T22:03:52.489" v="264" actId="47"/>
+        <pc:sldMkLst>
+          <pc:docMk/>
+          <pc:sldMk cId="2522472140" sldId="256"/>
+        </pc:sldMkLst>
+      </pc:sldChg>
+      <pc:sldChg chg="add del">
+        <pc:chgData name="Lines, Todd" userId="afaf7c3a-e8aa-4568-882a-02ad8f9e19b0" providerId="ADAL" clId="{B7B82E5F-F831-4829-BBB3-747E5ECF0875}" dt="2024-02-05T22:03:48.114" v="263"/>
+        <pc:sldMkLst>
+          <pc:docMk/>
+          <pc:sldMk cId="0" sldId="257"/>
+        </pc:sldMkLst>
+      </pc:sldChg>
+      <pc:sldChg chg="add del">
+        <pc:chgData name="Lines, Todd" userId="afaf7c3a-e8aa-4568-882a-02ad8f9e19b0" providerId="ADAL" clId="{B7B82E5F-F831-4829-BBB3-747E5ECF0875}" dt="2024-02-05T22:03:48.114" v="263"/>
+        <pc:sldMkLst>
+          <pc:docMk/>
+          <pc:sldMk cId="0" sldId="258"/>
+        </pc:sldMkLst>
+      </pc:sldChg>
+      <pc:sldChg chg="add del">
+        <pc:chgData name="Lines, Todd" userId="afaf7c3a-e8aa-4568-882a-02ad8f9e19b0" providerId="ADAL" clId="{B7B82E5F-F831-4829-BBB3-747E5ECF0875}" dt="2024-02-05T22:03:48.114" v="263"/>
+        <pc:sldMkLst>
+          <pc:docMk/>
+          <pc:sldMk cId="0" sldId="259"/>
+        </pc:sldMkLst>
+      </pc:sldChg>
+      <pc:sldChg chg="add del">
+        <pc:chgData name="Lines, Todd" userId="afaf7c3a-e8aa-4568-882a-02ad8f9e19b0" providerId="ADAL" clId="{B7B82E5F-F831-4829-BBB3-747E5ECF0875}" dt="2024-02-05T22:03:48.114" v="263"/>
+        <pc:sldMkLst>
+          <pc:docMk/>
+          <pc:sldMk cId="0" sldId="260"/>
+        </pc:sldMkLst>
+      </pc:sldChg>
+      <pc:sldChg chg="add del">
+        <pc:chgData name="Lines, Todd" userId="afaf7c3a-e8aa-4568-882a-02ad8f9e19b0" providerId="ADAL" clId="{B7B82E5F-F831-4829-BBB3-747E5ECF0875}" dt="2024-02-05T22:03:48.114" v="263"/>
+        <pc:sldMkLst>
+          <pc:docMk/>
+          <pc:sldMk cId="0" sldId="261"/>
+        </pc:sldMkLst>
+      </pc:sldChg>
+      <pc:sldChg chg="add del">
+        <pc:chgData name="Lines, Todd" userId="afaf7c3a-e8aa-4568-882a-02ad8f9e19b0" providerId="ADAL" clId="{B7B82E5F-F831-4829-BBB3-747E5ECF0875}" dt="2024-02-05T22:03:48.114" v="263"/>
+        <pc:sldMkLst>
+          <pc:docMk/>
+          <pc:sldMk cId="2524094473" sldId="262"/>
+        </pc:sldMkLst>
+      </pc:sldChg>
+      <pc:sldChg chg="add del">
+        <pc:chgData name="Lines, Todd" userId="afaf7c3a-e8aa-4568-882a-02ad8f9e19b0" providerId="ADAL" clId="{B7B82E5F-F831-4829-BBB3-747E5ECF0875}" dt="2024-02-05T22:03:48.114" v="263"/>
+        <pc:sldMkLst>
+          <pc:docMk/>
+          <pc:sldMk cId="782758618" sldId="263"/>
+        </pc:sldMkLst>
+      </pc:sldChg>
+      <pc:sldChg chg="add del">
+        <pc:chgData name="Lines, Todd" userId="afaf7c3a-e8aa-4568-882a-02ad8f9e19b0" providerId="ADAL" clId="{B7B82E5F-F831-4829-BBB3-747E5ECF0875}" dt="2024-02-05T22:03:48.114" v="263"/>
+        <pc:sldMkLst>
+          <pc:docMk/>
+          <pc:sldMk cId="3554555186" sldId="264"/>
+        </pc:sldMkLst>
+      </pc:sldChg>
+      <pc:sldChg chg="add del">
+        <pc:chgData name="Lines, Todd" userId="afaf7c3a-e8aa-4568-882a-02ad8f9e19b0" providerId="ADAL" clId="{B7B82E5F-F831-4829-BBB3-747E5ECF0875}" dt="2024-02-05T22:03:48.114" v="263"/>
+        <pc:sldMkLst>
+          <pc:docMk/>
+          <pc:sldMk cId="3129984400" sldId="265"/>
+        </pc:sldMkLst>
+      </pc:sldChg>
+      <pc:sldChg chg="add del">
+        <pc:chgData name="Lines, Todd" userId="afaf7c3a-e8aa-4568-882a-02ad8f9e19b0" providerId="ADAL" clId="{B7B82E5F-F831-4829-BBB3-747E5ECF0875}" dt="2024-02-05T22:03:48.114" v="263"/>
+        <pc:sldMkLst>
+          <pc:docMk/>
+          <pc:sldMk cId="0" sldId="656"/>
+        </pc:sldMkLst>
+      </pc:sldChg>
+      <pc:sldChg chg="add del">
+        <pc:chgData name="Lines, Todd" userId="afaf7c3a-e8aa-4568-882a-02ad8f9e19b0" providerId="ADAL" clId="{B7B82E5F-F831-4829-BBB3-747E5ECF0875}" dt="2024-02-05T22:03:48.114" v="263"/>
+        <pc:sldMkLst>
+          <pc:docMk/>
+          <pc:sldMk cId="0" sldId="1266"/>
+        </pc:sldMkLst>
+      </pc:sldChg>
+      <pc:sldChg chg="add del">
+        <pc:chgData name="Lines, Todd" userId="afaf7c3a-e8aa-4568-882a-02ad8f9e19b0" providerId="ADAL" clId="{B7B82E5F-F831-4829-BBB3-747E5ECF0875}" dt="2024-02-05T22:03:48.114" v="263"/>
+        <pc:sldMkLst>
+          <pc:docMk/>
+          <pc:sldMk cId="0" sldId="1267"/>
+        </pc:sldMkLst>
+      </pc:sldChg>
+      <pc:sldChg chg="add del">
+        <pc:chgData name="Lines, Todd" userId="afaf7c3a-e8aa-4568-882a-02ad8f9e19b0" providerId="ADAL" clId="{B7B82E5F-F831-4829-BBB3-747E5ECF0875}" dt="2024-02-05T22:03:48.114" v="263"/>
+        <pc:sldMkLst>
+          <pc:docMk/>
+          <pc:sldMk cId="0" sldId="1268"/>
+        </pc:sldMkLst>
+      </pc:sldChg>
+      <pc:sldChg chg="add del">
+        <pc:chgData name="Lines, Todd" userId="afaf7c3a-e8aa-4568-882a-02ad8f9e19b0" providerId="ADAL" clId="{B7B82E5F-F831-4829-BBB3-747E5ECF0875}" dt="2024-02-05T22:03:48.114" v="263"/>
+        <pc:sldMkLst>
+          <pc:docMk/>
+          <pc:sldMk cId="0" sldId="1269"/>
+        </pc:sldMkLst>
+      </pc:sldChg>
+      <pc:sldChg chg="add del">
+        <pc:chgData name="Lines, Todd" userId="afaf7c3a-e8aa-4568-882a-02ad8f9e19b0" providerId="ADAL" clId="{B7B82E5F-F831-4829-BBB3-747E5ECF0875}" dt="2024-02-05T22:03:48.114" v="263"/>
+        <pc:sldMkLst>
+          <pc:docMk/>
+          <pc:sldMk cId="0" sldId="1271"/>
+        </pc:sldMkLst>
+      </pc:sldChg>
+      <pc:sldChg chg="add del">
+        <pc:chgData name="Lines, Todd" userId="afaf7c3a-e8aa-4568-882a-02ad8f9e19b0" providerId="ADAL" clId="{B7B82E5F-F831-4829-BBB3-747E5ECF0875}" dt="2024-02-05T22:03:48.114" v="263"/>
+        <pc:sldMkLst>
+          <pc:docMk/>
+          <pc:sldMk cId="0" sldId="1272"/>
+        </pc:sldMkLst>
+      </pc:sldChg>
+      <pc:sldChg chg="add del">
+        <pc:chgData name="Lines, Todd" userId="afaf7c3a-e8aa-4568-882a-02ad8f9e19b0" providerId="ADAL" clId="{B7B82E5F-F831-4829-BBB3-747E5ECF0875}" dt="2024-02-05T22:03:48.114" v="263"/>
+        <pc:sldMkLst>
+          <pc:docMk/>
+          <pc:sldMk cId="0" sldId="1273"/>
+        </pc:sldMkLst>
+      </pc:sldChg>
+      <pc:sldChg chg="add del">
+        <pc:chgData name="Lines, Todd" userId="afaf7c3a-e8aa-4568-882a-02ad8f9e19b0" providerId="ADAL" clId="{B7B82E5F-F831-4829-BBB3-747E5ECF0875}" dt="2024-02-05T22:03:48.114" v="263"/>
+        <pc:sldMkLst>
+          <pc:docMk/>
+          <pc:sldMk cId="0" sldId="1274"/>
+        </pc:sldMkLst>
+      </pc:sldChg>
+      <pc:sldChg chg="add del">
+        <pc:chgData name="Lines, Todd" userId="afaf7c3a-e8aa-4568-882a-02ad8f9e19b0" providerId="ADAL" clId="{B7B82E5F-F831-4829-BBB3-747E5ECF0875}" dt="2024-02-05T22:03:48.114" v="263"/>
+        <pc:sldMkLst>
+          <pc:docMk/>
+          <pc:sldMk cId="0" sldId="1275"/>
+        </pc:sldMkLst>
+      </pc:sldChg>
+      <pc:sldChg chg="add del">
+        <pc:chgData name="Lines, Todd" userId="afaf7c3a-e8aa-4568-882a-02ad8f9e19b0" providerId="ADAL" clId="{B7B82E5F-F831-4829-BBB3-747E5ECF0875}" dt="2024-02-05T22:03:48.114" v="263"/>
+        <pc:sldMkLst>
+          <pc:docMk/>
+          <pc:sldMk cId="0" sldId="1276"/>
+        </pc:sldMkLst>
+      </pc:sldChg>
+      <pc:sldChg chg="add del">
+        <pc:chgData name="Lines, Todd" userId="afaf7c3a-e8aa-4568-882a-02ad8f9e19b0" providerId="ADAL" clId="{B7B82E5F-F831-4829-BBB3-747E5ECF0875}" dt="2024-02-05T22:03:48.114" v="263"/>
+        <pc:sldMkLst>
+          <pc:docMk/>
+          <pc:sldMk cId="0" sldId="1277"/>
+        </pc:sldMkLst>
+      </pc:sldChg>
+      <pc:sldChg chg="add del">
+        <pc:chgData name="Lines, Todd" userId="afaf7c3a-e8aa-4568-882a-02ad8f9e19b0" providerId="ADAL" clId="{B7B82E5F-F831-4829-BBB3-747E5ECF0875}" dt="2024-02-05T22:03:48.114" v="263"/>
+        <pc:sldMkLst>
+          <pc:docMk/>
+          <pc:sldMk cId="0" sldId="1278"/>
+        </pc:sldMkLst>
+      </pc:sldChg>
+      <pc:sldChg chg="add del">
+        <pc:chgData name="Lines, Todd" userId="afaf7c3a-e8aa-4568-882a-02ad8f9e19b0" providerId="ADAL" clId="{B7B82E5F-F831-4829-BBB3-747E5ECF0875}" dt="2024-02-05T22:03:48.114" v="263"/>
+        <pc:sldMkLst>
+          <pc:docMk/>
+          <pc:sldMk cId="0" sldId="1279"/>
+        </pc:sldMkLst>
+      </pc:sldChg>
+      <pc:sldChg chg="add del">
+        <pc:chgData name="Lines, Todd" userId="afaf7c3a-e8aa-4568-882a-02ad8f9e19b0" providerId="ADAL" clId="{B7B82E5F-F831-4829-BBB3-747E5ECF0875}" dt="2024-02-05T22:03:48.114" v="263"/>
+        <pc:sldMkLst>
+          <pc:docMk/>
+          <pc:sldMk cId="0" sldId="1280"/>
+        </pc:sldMkLst>
+      </pc:sldChg>
+      <pc:sldChg chg="add del">
+        <pc:chgData name="Lines, Todd" userId="afaf7c3a-e8aa-4568-882a-02ad8f9e19b0" providerId="ADAL" clId="{B7B82E5F-F831-4829-BBB3-747E5ECF0875}" dt="2024-02-05T22:03:48.114" v="263"/>
+        <pc:sldMkLst>
+          <pc:docMk/>
+          <pc:sldMk cId="0" sldId="1281"/>
+        </pc:sldMkLst>
+      </pc:sldChg>
+      <pc:sldChg chg="add del">
+        <pc:chgData name="Lines, Todd" userId="afaf7c3a-e8aa-4568-882a-02ad8f9e19b0" providerId="ADAL" clId="{B7B82E5F-F831-4829-BBB3-747E5ECF0875}" dt="2024-02-05T22:03:48.114" v="263"/>
+        <pc:sldMkLst>
+          <pc:docMk/>
+          <pc:sldMk cId="0" sldId="1282"/>
+        </pc:sldMkLst>
+      </pc:sldChg>
+      <pc:sldChg chg="add del">
+        <pc:chgData name="Lines, Todd" userId="afaf7c3a-e8aa-4568-882a-02ad8f9e19b0" providerId="ADAL" clId="{B7B82E5F-F831-4829-BBB3-747E5ECF0875}" dt="2024-02-05T22:03:48.114" v="263"/>
+        <pc:sldMkLst>
+          <pc:docMk/>
+          <pc:sldMk cId="0" sldId="1283"/>
+        </pc:sldMkLst>
+      </pc:sldChg>
+      <pc:sldChg chg="add del">
+        <pc:chgData name="Lines, Todd" userId="afaf7c3a-e8aa-4568-882a-02ad8f9e19b0" providerId="ADAL" clId="{B7B82E5F-F831-4829-BBB3-747E5ECF0875}" dt="2024-02-05T22:03:48.114" v="263"/>
+        <pc:sldMkLst>
+          <pc:docMk/>
+          <pc:sldMk cId="3213546869" sldId="1398"/>
+        </pc:sldMkLst>
+      </pc:sldChg>
+      <pc:sldChg chg="add del">
+        <pc:chgData name="Lines, Todd" userId="afaf7c3a-e8aa-4568-882a-02ad8f9e19b0" providerId="ADAL" clId="{B7B82E5F-F831-4829-BBB3-747E5ECF0875}" dt="2024-02-05T22:03:48.114" v="263"/>
+        <pc:sldMkLst>
+          <pc:docMk/>
+          <pc:sldMk cId="3003585941" sldId="1399"/>
+        </pc:sldMkLst>
+      </pc:sldChg>
+      <pc:sldChg chg="add del">
+        <pc:chgData name="Lines, Todd" userId="afaf7c3a-e8aa-4568-882a-02ad8f9e19b0" providerId="ADAL" clId="{B7B82E5F-F831-4829-BBB3-747E5ECF0875}" dt="2024-02-05T22:03:48.114" v="263"/>
+        <pc:sldMkLst>
+          <pc:docMk/>
+          <pc:sldMk cId="1148494850" sldId="1400"/>
+        </pc:sldMkLst>
+      </pc:sldChg>
+      <pc:sldChg chg="add">
+        <pc:chgData name="Lines, Todd" userId="afaf7c3a-e8aa-4568-882a-02ad8f9e19b0" providerId="ADAL" clId="{B7B82E5F-F831-4829-BBB3-747E5ECF0875}" dt="2024-02-05T22:03:48.114" v="263"/>
+        <pc:sldMkLst>
+          <pc:docMk/>
+          <pc:sldMk cId="0" sldId="1401"/>
+        </pc:sldMkLst>
+      </pc:sldChg>
+      <pc:sldChg chg="add del">
+        <pc:chgData name="Lines, Todd" userId="afaf7c3a-e8aa-4568-882a-02ad8f9e19b0" providerId="ADAL" clId="{B7B82E5F-F831-4829-BBB3-747E5ECF0875}" dt="2024-02-05T22:03:48.114" v="263"/>
+        <pc:sldMkLst>
+          <pc:docMk/>
+          <pc:sldMk cId="1020316820" sldId="1406"/>
+        </pc:sldMkLst>
+      </pc:sldChg>
+      <pc:sldChg chg="new del">
+        <pc:chgData name="Lines, Todd" userId="afaf7c3a-e8aa-4568-882a-02ad8f9e19b0" providerId="ADAL" clId="{B7B82E5F-F831-4829-BBB3-747E5ECF0875}" dt="2024-02-05T22:02:08.556" v="235" actId="47"/>
+        <pc:sldMkLst>
+          <pc:docMk/>
+          <pc:sldMk cId="706162326" sldId="1407"/>
+        </pc:sldMkLst>
+      </pc:sldChg>
+      <pc:sldChg chg="new del">
+        <pc:chgData name="Lines, Todd" userId="afaf7c3a-e8aa-4568-882a-02ad8f9e19b0" providerId="ADAL" clId="{B7B82E5F-F831-4829-BBB3-747E5ECF0875}" dt="2024-02-05T22:02:08.521" v="234" actId="47"/>
+        <pc:sldMkLst>
+          <pc:docMk/>
+          <pc:sldMk cId="1989474448" sldId="1408"/>
+        </pc:sldMkLst>
+      </pc:sldChg>
+      <pc:sldChg chg="new del">
+        <pc:chgData name="Lines, Todd" userId="afaf7c3a-e8aa-4568-882a-02ad8f9e19b0" providerId="ADAL" clId="{B7B82E5F-F831-4829-BBB3-747E5ECF0875}" dt="2024-02-05T22:02:08.486" v="233" actId="47"/>
+        <pc:sldMkLst>
+          <pc:docMk/>
+          <pc:sldMk cId="2042276585" sldId="1409"/>
+        </pc:sldMkLst>
+      </pc:sldChg>
+      <pc:sldChg chg="new del">
+        <pc:chgData name="Lines, Todd" userId="afaf7c3a-e8aa-4568-882a-02ad8f9e19b0" providerId="ADAL" clId="{B7B82E5F-F831-4829-BBB3-747E5ECF0875}" dt="2024-02-05T22:02:08.443" v="232" actId="47"/>
+        <pc:sldMkLst>
+          <pc:docMk/>
+          <pc:sldMk cId="2556688903" sldId="1410"/>
+        </pc:sldMkLst>
+      </pc:sldChg>
+      <pc:sldChg chg="new del">
+        <pc:chgData name="Lines, Todd" userId="afaf7c3a-e8aa-4568-882a-02ad8f9e19b0" providerId="ADAL" clId="{B7B82E5F-F831-4829-BBB3-747E5ECF0875}" dt="2024-02-05T22:02:08.413" v="231" actId="47"/>
+        <pc:sldMkLst>
+          <pc:docMk/>
+          <pc:sldMk cId="2778407162" sldId="1411"/>
+        </pc:sldMkLst>
+      </pc:sldChg>
+      <pc:sldChg chg="new del">
+        <pc:chgData name="Lines, Todd" userId="afaf7c3a-e8aa-4568-882a-02ad8f9e19b0" providerId="ADAL" clId="{B7B82E5F-F831-4829-BBB3-747E5ECF0875}" dt="2024-02-05T22:02:08.399" v="230" actId="47"/>
+        <pc:sldMkLst>
+          <pc:docMk/>
+          <pc:sldMk cId="1835604112" sldId="1412"/>
+        </pc:sldMkLst>
+      </pc:sldChg>
+      <pc:sldChg chg="new del">
+        <pc:chgData name="Lines, Todd" userId="afaf7c3a-e8aa-4568-882a-02ad8f9e19b0" providerId="ADAL" clId="{B7B82E5F-F831-4829-BBB3-747E5ECF0875}" dt="2024-02-05T22:02:08.347" v="229" actId="47"/>
+        <pc:sldMkLst>
+          <pc:docMk/>
+          <pc:sldMk cId="1129618873" sldId="1413"/>
+        </pc:sldMkLst>
+      </pc:sldChg>
+      <pc:sldChg chg="new del">
+        <pc:chgData name="Lines, Todd" userId="afaf7c3a-e8aa-4568-882a-02ad8f9e19b0" providerId="ADAL" clId="{B7B82E5F-F831-4829-BBB3-747E5ECF0875}" dt="2024-02-05T22:02:08.313" v="228" actId="47"/>
+        <pc:sldMkLst>
+          <pc:docMk/>
+          <pc:sldMk cId="3459835150" sldId="1414"/>
+        </pc:sldMkLst>
+      </pc:sldChg>
+      <pc:sldChg chg="new del">
+        <pc:chgData name="Lines, Todd" userId="afaf7c3a-e8aa-4568-882a-02ad8f9e19b0" providerId="ADAL" clId="{B7B82E5F-F831-4829-BBB3-747E5ECF0875}" dt="2024-02-05T22:02:08.284" v="227" actId="47"/>
+        <pc:sldMkLst>
+          <pc:docMk/>
+          <pc:sldMk cId="2279820754" sldId="1415"/>
+        </pc:sldMkLst>
+      </pc:sldChg>
+      <pc:sldChg chg="new del">
+        <pc:chgData name="Lines, Todd" userId="afaf7c3a-e8aa-4568-882a-02ad8f9e19b0" providerId="ADAL" clId="{B7B82E5F-F831-4829-BBB3-747E5ECF0875}" dt="2024-02-05T22:02:08.268" v="226" actId="47"/>
+        <pc:sldMkLst>
+          <pc:docMk/>
+          <pc:sldMk cId="3400601798" sldId="1416"/>
+        </pc:sldMkLst>
+      </pc:sldChg>
+      <pc:sldChg chg="new del">
+        <pc:chgData name="Lines, Todd" userId="afaf7c3a-e8aa-4568-882a-02ad8f9e19b0" providerId="ADAL" clId="{B7B82E5F-F831-4829-BBB3-747E5ECF0875}" dt="2024-02-05T22:02:08.211" v="225" actId="47"/>
+        <pc:sldMkLst>
+          <pc:docMk/>
+          <pc:sldMk cId="1456762635" sldId="1417"/>
+        </pc:sldMkLst>
+      </pc:sldChg>
+      <pc:sldChg chg="new del">
+        <pc:chgData name="Lines, Todd" userId="afaf7c3a-e8aa-4568-882a-02ad8f9e19b0" providerId="ADAL" clId="{B7B82E5F-F831-4829-BBB3-747E5ECF0875}" dt="2024-02-05T22:02:08.192" v="224" actId="47"/>
+        <pc:sldMkLst>
+          <pc:docMk/>
+          <pc:sldMk cId="656582550" sldId="1418"/>
+        </pc:sldMkLst>
+      </pc:sldChg>
+      <pc:sldChg chg="new del">
+        <pc:chgData name="Lines, Todd" userId="afaf7c3a-e8aa-4568-882a-02ad8f9e19b0" providerId="ADAL" clId="{B7B82E5F-F831-4829-BBB3-747E5ECF0875}" dt="2024-02-05T22:02:08.148" v="223" actId="47"/>
+        <pc:sldMkLst>
+          <pc:docMk/>
+          <pc:sldMk cId="2198316976" sldId="1419"/>
+        </pc:sldMkLst>
+      </pc:sldChg>
+      <pc:sldChg chg="new del">
+        <pc:chgData name="Lines, Todd" userId="afaf7c3a-e8aa-4568-882a-02ad8f9e19b0" providerId="ADAL" clId="{B7B82E5F-F831-4829-BBB3-747E5ECF0875}" dt="2024-02-05T22:02:08.120" v="222" actId="47"/>
+        <pc:sldMkLst>
+          <pc:docMk/>
+          <pc:sldMk cId="1535751814" sldId="1420"/>
+        </pc:sldMkLst>
+      </pc:sldChg>
+      <pc:sldChg chg="new del">
+        <pc:chgData name="Lines, Todd" userId="afaf7c3a-e8aa-4568-882a-02ad8f9e19b0" providerId="ADAL" clId="{B7B82E5F-F831-4829-BBB3-747E5ECF0875}" dt="2024-02-05T22:02:08.091" v="221" actId="47"/>
+        <pc:sldMkLst>
+          <pc:docMk/>
+          <pc:sldMk cId="1147761920" sldId="1421"/>
+        </pc:sldMkLst>
+      </pc:sldChg>
+      <pc:sldChg chg="new del">
+        <pc:chgData name="Lines, Todd" userId="afaf7c3a-e8aa-4568-882a-02ad8f9e19b0" providerId="ADAL" clId="{B7B82E5F-F831-4829-BBB3-747E5ECF0875}" dt="2024-02-05T22:02:08.075" v="220" actId="47"/>
+        <pc:sldMkLst>
+          <pc:docMk/>
+          <pc:sldMk cId="709915550" sldId="1422"/>
+        </pc:sldMkLst>
+      </pc:sldChg>
+      <pc:sldChg chg="new del">
+        <pc:chgData name="Lines, Todd" userId="afaf7c3a-e8aa-4568-882a-02ad8f9e19b0" providerId="ADAL" clId="{B7B82E5F-F831-4829-BBB3-747E5ECF0875}" dt="2024-02-05T22:02:08.021" v="219" actId="47"/>
+        <pc:sldMkLst>
+          <pc:docMk/>
+          <pc:sldMk cId="952639178" sldId="1423"/>
+        </pc:sldMkLst>
+      </pc:sldChg>
+      <pc:sldChg chg="new del">
+        <pc:chgData name="Lines, Todd" userId="afaf7c3a-e8aa-4568-882a-02ad8f9e19b0" providerId="ADAL" clId="{B7B82E5F-F831-4829-BBB3-747E5ECF0875}" dt="2024-02-05T22:02:07.990" v="218" actId="47"/>
+        <pc:sldMkLst>
+          <pc:docMk/>
+          <pc:sldMk cId="1821003418" sldId="1424"/>
+        </pc:sldMkLst>
+      </pc:sldChg>
+      <pc:sldChg chg="new del">
+        <pc:chgData name="Lines, Todd" userId="afaf7c3a-e8aa-4568-882a-02ad8f9e19b0" providerId="ADAL" clId="{B7B82E5F-F831-4829-BBB3-747E5ECF0875}" dt="2024-02-05T22:02:07.960" v="217" actId="47"/>
+        <pc:sldMkLst>
+          <pc:docMk/>
+          <pc:sldMk cId="2886839703" sldId="1425"/>
+        </pc:sldMkLst>
+      </pc:sldChg>
+      <pc:sldChg chg="new del">
+        <pc:chgData name="Lines, Todd" userId="afaf7c3a-e8aa-4568-882a-02ad8f9e19b0" providerId="ADAL" clId="{B7B82E5F-F831-4829-BBB3-747E5ECF0875}" dt="2024-02-05T22:02:07.944" v="216" actId="47"/>
+        <pc:sldMkLst>
+          <pc:docMk/>
+          <pc:sldMk cId="807464177" sldId="1426"/>
+        </pc:sldMkLst>
+      </pc:sldChg>
+      <pc:sldChg chg="new del">
+        <pc:chgData name="Lines, Todd" userId="afaf7c3a-e8aa-4568-882a-02ad8f9e19b0" providerId="ADAL" clId="{B7B82E5F-F831-4829-BBB3-747E5ECF0875}" dt="2024-02-05T22:02:07.884" v="215" actId="47"/>
+        <pc:sldMkLst>
+          <pc:docMk/>
+          <pc:sldMk cId="541737427" sldId="1427"/>
+        </pc:sldMkLst>
+      </pc:sldChg>
+      <pc:sldChg chg="new del">
+        <pc:chgData name="Lines, Todd" userId="afaf7c3a-e8aa-4568-882a-02ad8f9e19b0" providerId="ADAL" clId="{B7B82E5F-F831-4829-BBB3-747E5ECF0875}" dt="2024-02-05T22:02:07.853" v="214" actId="47"/>
+        <pc:sldMkLst>
+          <pc:docMk/>
+          <pc:sldMk cId="3413245060" sldId="1428"/>
+        </pc:sldMkLst>
+      </pc:sldChg>
+      <pc:sldChg chg="new del">
+        <pc:chgData name="Lines, Todd" userId="afaf7c3a-e8aa-4568-882a-02ad8f9e19b0" providerId="ADAL" clId="{B7B82E5F-F831-4829-BBB3-747E5ECF0875}" dt="2024-02-05T22:02:07.824" v="213" actId="47"/>
+        <pc:sldMkLst>
+          <pc:docMk/>
+          <pc:sldMk cId="2661290780" sldId="1429"/>
+        </pc:sldMkLst>
+      </pc:sldChg>
+      <pc:sldChg chg="new del">
+        <pc:chgData name="Lines, Todd" userId="afaf7c3a-e8aa-4568-882a-02ad8f9e19b0" providerId="ADAL" clId="{B7B82E5F-F831-4829-BBB3-747E5ECF0875}" dt="2024-02-05T22:02:07.798" v="212" actId="47"/>
+        <pc:sldMkLst>
+          <pc:docMk/>
+          <pc:sldMk cId="2770590128" sldId="1430"/>
+        </pc:sldMkLst>
+      </pc:sldChg>
+      <pc:sldChg chg="new del">
+        <pc:chgData name="Lines, Todd" userId="afaf7c3a-e8aa-4568-882a-02ad8f9e19b0" providerId="ADAL" clId="{B7B82E5F-F831-4829-BBB3-747E5ECF0875}" dt="2024-02-05T22:02:07.781" v="211" actId="47"/>
+        <pc:sldMkLst>
+          <pc:docMk/>
+          <pc:sldMk cId="2160455203" sldId="1431"/>
+        </pc:sldMkLst>
+      </pc:sldChg>
+      <pc:sldChg chg="new del">
+        <pc:chgData name="Lines, Todd" userId="afaf7c3a-e8aa-4568-882a-02ad8f9e19b0" providerId="ADAL" clId="{B7B82E5F-F831-4829-BBB3-747E5ECF0875}" dt="2024-02-05T22:02:07.716" v="210" actId="47"/>
+        <pc:sldMkLst>
+          <pc:docMk/>
+          <pc:sldMk cId="897583143" sldId="1432"/>
+        </pc:sldMkLst>
+      </pc:sldChg>
+      <pc:sldChg chg="new del">
+        <pc:chgData name="Lines, Todd" userId="afaf7c3a-e8aa-4568-882a-02ad8f9e19b0" providerId="ADAL" clId="{B7B82E5F-F831-4829-BBB3-747E5ECF0875}" dt="2024-02-05T22:02:07.685" v="209" actId="47"/>
+        <pc:sldMkLst>
+          <pc:docMk/>
+          <pc:sldMk cId="1650788632" sldId="1433"/>
+        </pc:sldMkLst>
+      </pc:sldChg>
+      <pc:sldChg chg="new del">
+        <pc:chgData name="Lines, Todd" userId="afaf7c3a-e8aa-4568-882a-02ad8f9e19b0" providerId="ADAL" clId="{B7B82E5F-F831-4829-BBB3-747E5ECF0875}" dt="2024-02-05T22:02:07.653" v="208" actId="47"/>
+        <pc:sldMkLst>
+          <pc:docMk/>
+          <pc:sldMk cId="3921411537" sldId="1434"/>
+        </pc:sldMkLst>
+      </pc:sldChg>
+      <pc:sldChg chg="new del">
+        <pc:chgData name="Lines, Todd" userId="afaf7c3a-e8aa-4568-882a-02ad8f9e19b0" providerId="ADAL" clId="{B7B82E5F-F831-4829-BBB3-747E5ECF0875}" dt="2024-02-05T22:02:07.618" v="207" actId="47"/>
+        <pc:sldMkLst>
+          <pc:docMk/>
+          <pc:sldMk cId="292253629" sldId="1435"/>
+        </pc:sldMkLst>
+      </pc:sldChg>
+      <pc:sldChg chg="new del">
+        <pc:chgData name="Lines, Todd" userId="afaf7c3a-e8aa-4568-882a-02ad8f9e19b0" providerId="ADAL" clId="{B7B82E5F-F831-4829-BBB3-747E5ECF0875}" dt="2024-02-05T22:02:07.585" v="206" actId="47"/>
+        <pc:sldMkLst>
+          <pc:docMk/>
+          <pc:sldMk cId="1128815945" sldId="1436"/>
+        </pc:sldMkLst>
+      </pc:sldChg>
+      <pc:sldChg chg="new del">
+        <pc:chgData name="Lines, Todd" userId="afaf7c3a-e8aa-4568-882a-02ad8f9e19b0" providerId="ADAL" clId="{B7B82E5F-F831-4829-BBB3-747E5ECF0875}" dt="2024-02-05T22:02:07.524" v="205" actId="47"/>
+        <pc:sldMkLst>
+          <pc:docMk/>
+          <pc:sldMk cId="309414878" sldId="1437"/>
+        </pc:sldMkLst>
+      </pc:sldChg>
+      <pc:sldChg chg="new del">
+        <pc:chgData name="Lines, Todd" userId="afaf7c3a-e8aa-4568-882a-02ad8f9e19b0" providerId="ADAL" clId="{B7B82E5F-F831-4829-BBB3-747E5ECF0875}" dt="2024-02-05T22:02:07.486" v="204" actId="47"/>
+        <pc:sldMkLst>
+          <pc:docMk/>
+          <pc:sldMk cId="820069225" sldId="1438"/>
+        </pc:sldMkLst>
+      </pc:sldChg>
+      <pc:sldChg chg="new del">
+        <pc:chgData name="Lines, Todd" userId="afaf7c3a-e8aa-4568-882a-02ad8f9e19b0" providerId="ADAL" clId="{B7B82E5F-F831-4829-BBB3-747E5ECF0875}" dt="2024-02-05T22:02:07.424" v="203" actId="47"/>
+        <pc:sldMkLst>
+          <pc:docMk/>
+          <pc:sldMk cId="1919794806" sldId="1439"/>
+        </pc:sldMkLst>
+      </pc:sldChg>
+      <pc:sldChg chg="new del">
+        <pc:chgData name="Lines, Todd" userId="afaf7c3a-e8aa-4568-882a-02ad8f9e19b0" providerId="ADAL" clId="{B7B82E5F-F831-4829-BBB3-747E5ECF0875}" dt="2024-02-05T22:02:07.385" v="202" actId="47"/>
+        <pc:sldMkLst>
+          <pc:docMk/>
+          <pc:sldMk cId="47123240" sldId="1440"/>
+        </pc:sldMkLst>
+      </pc:sldChg>
+      <pc:sldChg chg="new del">
+        <pc:chgData name="Lines, Todd" userId="afaf7c3a-e8aa-4568-882a-02ad8f9e19b0" providerId="ADAL" clId="{B7B82E5F-F831-4829-BBB3-747E5ECF0875}" dt="2024-02-05T22:02:07.353" v="201" actId="47"/>
+        <pc:sldMkLst>
+          <pc:docMk/>
+          <pc:sldMk cId="3517805947" sldId="1441"/>
+        </pc:sldMkLst>
+      </pc:sldChg>
+      <pc:sldChg chg="new del">
+        <pc:chgData name="Lines, Todd" userId="afaf7c3a-e8aa-4568-882a-02ad8f9e19b0" providerId="ADAL" clId="{B7B82E5F-F831-4829-BBB3-747E5ECF0875}" dt="2024-02-05T22:02:07.322" v="200" actId="47"/>
+        <pc:sldMkLst>
+          <pc:docMk/>
+          <pc:sldMk cId="2040131665" sldId="1442"/>
+        </pc:sldMkLst>
+      </pc:sldChg>
+      <pc:sldChg chg="new del">
+        <pc:chgData name="Lines, Todd" userId="afaf7c3a-e8aa-4568-882a-02ad8f9e19b0" providerId="ADAL" clId="{B7B82E5F-F831-4829-BBB3-747E5ECF0875}" dt="2024-02-05T22:02:07.290" v="199" actId="47"/>
+        <pc:sldMkLst>
+          <pc:docMk/>
+          <pc:sldMk cId="4281392963" sldId="1443"/>
+        </pc:sldMkLst>
+      </pc:sldChg>
+      <pc:sldChg chg="new del">
+        <pc:chgData name="Lines, Todd" userId="afaf7c3a-e8aa-4568-882a-02ad8f9e19b0" providerId="ADAL" clId="{B7B82E5F-F831-4829-BBB3-747E5ECF0875}" dt="2024-02-05T22:02:07.257" v="198" actId="47"/>
+        <pc:sldMkLst>
+          <pc:docMk/>
+          <pc:sldMk cId="495285638" sldId="1444"/>
+        </pc:sldMkLst>
+      </pc:sldChg>
+      <pc:sldChg chg="new del">
+        <pc:chgData name="Lines, Todd" userId="afaf7c3a-e8aa-4568-882a-02ad8f9e19b0" providerId="ADAL" clId="{B7B82E5F-F831-4829-BBB3-747E5ECF0875}" dt="2024-02-05T22:02:07.230" v="197" actId="47"/>
+        <pc:sldMkLst>
+          <pc:docMk/>
+          <pc:sldMk cId="1148013844" sldId="1445"/>
+        </pc:sldMkLst>
+      </pc:sldChg>
+      <pc:sldChg chg="new del">
+        <pc:chgData name="Lines, Todd" userId="afaf7c3a-e8aa-4568-882a-02ad8f9e19b0" providerId="ADAL" clId="{B7B82E5F-F831-4829-BBB3-747E5ECF0875}" dt="2024-02-05T22:02:07.215" v="196" actId="47"/>
+        <pc:sldMkLst>
+          <pc:docMk/>
+          <pc:sldMk cId="4150656437" sldId="1446"/>
+        </pc:sldMkLst>
+      </pc:sldChg>
+      <pc:sldChg chg="new del">
+        <pc:chgData name="Lines, Todd" userId="afaf7c3a-e8aa-4568-882a-02ad8f9e19b0" providerId="ADAL" clId="{B7B82E5F-F831-4829-BBB3-747E5ECF0875}" dt="2024-02-05T22:02:07.161" v="195" actId="47"/>
+        <pc:sldMkLst>
+          <pc:docMk/>
+          <pc:sldMk cId="1878741846" sldId="1447"/>
+        </pc:sldMkLst>
+      </pc:sldChg>
+      <pc:sldChg chg="new del">
+        <pc:chgData name="Lines, Todd" userId="afaf7c3a-e8aa-4568-882a-02ad8f9e19b0" providerId="ADAL" clId="{B7B82E5F-F831-4829-BBB3-747E5ECF0875}" dt="2024-02-05T22:02:07.098" v="194" actId="47"/>
+        <pc:sldMkLst>
+          <pc:docMk/>
+          <pc:sldMk cId="2808386181" sldId="1448"/>
+        </pc:sldMkLst>
+      </pc:sldChg>
+      <pc:sldChg chg="new del">
+        <pc:chgData name="Lines, Todd" userId="afaf7c3a-e8aa-4568-882a-02ad8f9e19b0" providerId="ADAL" clId="{B7B82E5F-F831-4829-BBB3-747E5ECF0875}" dt="2024-02-05T22:02:07.052" v="193" actId="47"/>
+        <pc:sldMkLst>
+          <pc:docMk/>
+          <pc:sldMk cId="631988864" sldId="1449"/>
+        </pc:sldMkLst>
+      </pc:sldChg>
+      <pc:sldChg chg="new del">
+        <pc:chgData name="Lines, Todd" userId="afaf7c3a-e8aa-4568-882a-02ad8f9e19b0" providerId="ADAL" clId="{B7B82E5F-F831-4829-BBB3-747E5ECF0875}" dt="2024-02-05T22:02:07.020" v="192" actId="47"/>
+        <pc:sldMkLst>
+          <pc:docMk/>
+          <pc:sldMk cId="1241235563" sldId="1450"/>
+        </pc:sldMkLst>
+      </pc:sldChg>
+      <pc:sldChg chg="new del">
+        <pc:chgData name="Lines, Todd" userId="afaf7c3a-e8aa-4568-882a-02ad8f9e19b0" providerId="ADAL" clId="{B7B82E5F-F831-4829-BBB3-747E5ECF0875}" dt="2024-02-05T22:02:06.987" v="191" actId="47"/>
+        <pc:sldMkLst>
+          <pc:docMk/>
+          <pc:sldMk cId="445535900" sldId="1451"/>
+        </pc:sldMkLst>
+      </pc:sldChg>
+      <pc:sldChg chg="new del">
+        <pc:chgData name="Lines, Todd" userId="afaf7c3a-e8aa-4568-882a-02ad8f9e19b0" providerId="ADAL" clId="{B7B82E5F-F831-4829-BBB3-747E5ECF0875}" dt="2024-02-05T22:02:06.954" v="190" actId="47"/>
+        <pc:sldMkLst>
+          <pc:docMk/>
+          <pc:sldMk cId="159436262" sldId="1452"/>
+        </pc:sldMkLst>
+      </pc:sldChg>
+      <pc:sldChg chg="new del">
+        <pc:chgData name="Lines, Todd" userId="afaf7c3a-e8aa-4568-882a-02ad8f9e19b0" providerId="ADAL" clId="{B7B82E5F-F831-4829-BBB3-747E5ECF0875}" dt="2024-02-05T22:02:06.924" v="189" actId="47"/>
+        <pc:sldMkLst>
+          <pc:docMk/>
+          <pc:sldMk cId="242495364" sldId="1453"/>
+        </pc:sldMkLst>
+      </pc:sldChg>
+      <pc:sldChg chg="new del">
+        <pc:chgData name="Lines, Todd" userId="afaf7c3a-e8aa-4568-882a-02ad8f9e19b0" providerId="ADAL" clId="{B7B82E5F-F831-4829-BBB3-747E5ECF0875}" dt="2024-02-05T22:02:06.898" v="188" actId="47"/>
+        <pc:sldMkLst>
+          <pc:docMk/>
+          <pc:sldMk cId="3904626636" sldId="1454"/>
+        </pc:sldMkLst>
+      </pc:sldChg>
+      <pc:sldChg chg="new del">
+        <pc:chgData name="Lines, Todd" userId="afaf7c3a-e8aa-4568-882a-02ad8f9e19b0" providerId="ADAL" clId="{B7B82E5F-F831-4829-BBB3-747E5ECF0875}" dt="2024-02-05T22:02:06.886" v="187" actId="47"/>
+        <pc:sldMkLst>
+          <pc:docMk/>
+          <pc:sldMk cId="3647950406" sldId="1455"/>
+        </pc:sldMkLst>
+      </pc:sldChg>
+      <pc:sldChg chg="new del">
+        <pc:chgData name="Lines, Todd" userId="afaf7c3a-e8aa-4568-882a-02ad8f9e19b0" providerId="ADAL" clId="{B7B82E5F-F831-4829-BBB3-747E5ECF0875}" dt="2024-02-05T22:02:06.823" v="186" actId="47"/>
+        <pc:sldMkLst>
+          <pc:docMk/>
+          <pc:sldMk cId="320326442" sldId="1456"/>
+        </pc:sldMkLst>
+      </pc:sldChg>
+      <pc:sldChg chg="new del">
+        <pc:chgData name="Lines, Todd" userId="afaf7c3a-e8aa-4568-882a-02ad8f9e19b0" providerId="ADAL" clId="{B7B82E5F-F831-4829-BBB3-747E5ECF0875}" dt="2024-02-05T22:02:06.805" v="185" actId="47"/>
+        <pc:sldMkLst>
+          <pc:docMk/>
+          <pc:sldMk cId="2390485648" sldId="1457"/>
+        </pc:sldMkLst>
+      </pc:sldChg>
+      <pc:sldChg chg="new del">
+        <pc:chgData name="Lines, Todd" userId="afaf7c3a-e8aa-4568-882a-02ad8f9e19b0" providerId="ADAL" clId="{B7B82E5F-F831-4829-BBB3-747E5ECF0875}" dt="2024-02-05T22:02:06.763" v="184" actId="47"/>
+        <pc:sldMkLst>
+          <pc:docMk/>
+          <pc:sldMk cId="813036225" sldId="1458"/>
+        </pc:sldMkLst>
+      </pc:sldChg>
+      <pc:sldChg chg="new del">
+        <pc:chgData name="Lines, Todd" userId="afaf7c3a-e8aa-4568-882a-02ad8f9e19b0" providerId="ADAL" clId="{B7B82E5F-F831-4829-BBB3-747E5ECF0875}" dt="2024-02-05T22:02:06.701" v="183" actId="47"/>
+        <pc:sldMkLst>
+          <pc:docMk/>
+          <pc:sldMk cId="171493742" sldId="1459"/>
+        </pc:sldMkLst>
+      </pc:sldChg>
+      <pc:sldChg chg="new del">
+        <pc:chgData name="Lines, Todd" userId="afaf7c3a-e8aa-4568-882a-02ad8f9e19b0" providerId="ADAL" clId="{B7B82E5F-F831-4829-BBB3-747E5ECF0875}" dt="2024-02-05T22:02:06.668" v="182" actId="47"/>
+        <pc:sldMkLst>
+          <pc:docMk/>
+          <pc:sldMk cId="1099372457" sldId="1460"/>
+        </pc:sldMkLst>
+      </pc:sldChg>
+      <pc:sldChg chg="new del">
+        <pc:chgData name="Lines, Todd" userId="afaf7c3a-e8aa-4568-882a-02ad8f9e19b0" providerId="ADAL" clId="{B7B82E5F-F831-4829-BBB3-747E5ECF0875}" dt="2024-02-05T22:02:06.622" v="181" actId="47"/>
+        <pc:sldMkLst>
+          <pc:docMk/>
+          <pc:sldMk cId="3346277584" sldId="1461"/>
+        </pc:sldMkLst>
+      </pc:sldChg>
+      <pc:sldChg chg="new del">
+        <pc:chgData name="Lines, Todd" userId="afaf7c3a-e8aa-4568-882a-02ad8f9e19b0" providerId="ADAL" clId="{B7B82E5F-F831-4829-BBB3-747E5ECF0875}" dt="2024-02-05T22:02:06.590" v="180" actId="47"/>
+        <pc:sldMkLst>
+          <pc:docMk/>
+          <pc:sldMk cId="539918032" sldId="1462"/>
+        </pc:sldMkLst>
+      </pc:sldChg>
+      <pc:sldChg chg="new del">
+        <pc:chgData name="Lines, Todd" userId="afaf7c3a-e8aa-4568-882a-02ad8f9e19b0" providerId="ADAL" clId="{B7B82E5F-F831-4829-BBB3-747E5ECF0875}" dt="2024-02-05T22:02:06.561" v="179" actId="47"/>
+        <pc:sldMkLst>
+          <pc:docMk/>
+          <pc:sldMk cId="4018204560" sldId="1463"/>
+        </pc:sldMkLst>
+      </pc:sldChg>
+      <pc:sldChg chg="new del">
+        <pc:chgData name="Lines, Todd" userId="afaf7c3a-e8aa-4568-882a-02ad8f9e19b0" providerId="ADAL" clId="{B7B82E5F-F831-4829-BBB3-747E5ECF0875}" dt="2024-02-05T22:02:06.533" v="178" actId="47"/>
+        <pc:sldMkLst>
+          <pc:docMk/>
+          <pc:sldMk cId="1694752720" sldId="1464"/>
+        </pc:sldMkLst>
+      </pc:sldChg>
+      <pc:sldChg chg="new del">
+        <pc:chgData name="Lines, Todd" userId="afaf7c3a-e8aa-4568-882a-02ad8f9e19b0" providerId="ADAL" clId="{B7B82E5F-F831-4829-BBB3-747E5ECF0875}" dt="2024-02-05T22:02:06.506" v="177" actId="47"/>
+        <pc:sldMkLst>
+          <pc:docMk/>
+          <pc:sldMk cId="573124017" sldId="1465"/>
+        </pc:sldMkLst>
+      </pc:sldChg>
+      <pc:sldChg chg="new del">
+        <pc:chgData name="Lines, Todd" userId="afaf7c3a-e8aa-4568-882a-02ad8f9e19b0" providerId="ADAL" clId="{B7B82E5F-F831-4829-BBB3-747E5ECF0875}" dt="2024-02-05T22:02:06.490" v="176" actId="47"/>
+        <pc:sldMkLst>
+          <pc:docMk/>
+          <pc:sldMk cId="2725950992" sldId="1466"/>
+        </pc:sldMkLst>
+      </pc:sldChg>
+      <pc:sldChg chg="new del">
+        <pc:chgData name="Lines, Todd" userId="afaf7c3a-e8aa-4568-882a-02ad8f9e19b0" providerId="ADAL" clId="{B7B82E5F-F831-4829-BBB3-747E5ECF0875}" dt="2024-02-05T22:02:06.437" v="175" actId="47"/>
+        <pc:sldMkLst>
+          <pc:docMk/>
+          <pc:sldMk cId="2197492759" sldId="1467"/>
+        </pc:sldMkLst>
+      </pc:sldChg>
+      <pc:sldChg chg="new del">
+        <pc:chgData name="Lines, Todd" userId="afaf7c3a-e8aa-4568-882a-02ad8f9e19b0" providerId="ADAL" clId="{B7B82E5F-F831-4829-BBB3-747E5ECF0875}" dt="2024-02-05T22:02:06.420" v="174" actId="47"/>
+        <pc:sldMkLst>
+          <pc:docMk/>
+          <pc:sldMk cId="2025954155" sldId="1468"/>
+        </pc:sldMkLst>
+      </pc:sldChg>
+      <pc:sldChg chg="new del">
+        <pc:chgData name="Lines, Todd" userId="afaf7c3a-e8aa-4568-882a-02ad8f9e19b0" providerId="ADAL" clId="{B7B82E5F-F831-4829-BBB3-747E5ECF0875}" dt="2024-02-05T22:02:06.404" v="173" actId="47"/>
+        <pc:sldMkLst>
+          <pc:docMk/>
+          <pc:sldMk cId="1343732563" sldId="1469"/>
+        </pc:sldMkLst>
+      </pc:sldChg>
+      <pc:sldChg chg="new del">
+        <pc:chgData name="Lines, Todd" userId="afaf7c3a-e8aa-4568-882a-02ad8f9e19b0" providerId="ADAL" clId="{B7B82E5F-F831-4829-BBB3-747E5ECF0875}" dt="2024-02-05T22:02:06.342" v="172" actId="47"/>
+        <pc:sldMkLst>
+          <pc:docMk/>
+          <pc:sldMk cId="395701741" sldId="1470"/>
+        </pc:sldMkLst>
+      </pc:sldChg>
+      <pc:sldChg chg="new del">
+        <pc:chgData name="Lines, Todd" userId="afaf7c3a-e8aa-4568-882a-02ad8f9e19b0" providerId="ADAL" clId="{B7B82E5F-F831-4829-BBB3-747E5ECF0875}" dt="2024-02-05T22:02:06.307" v="171" actId="47"/>
+        <pc:sldMkLst>
+          <pc:docMk/>
+          <pc:sldMk cId="886773843" sldId="1471"/>
+        </pc:sldMkLst>
+      </pc:sldChg>
+      <pc:sldChg chg="new del">
+        <pc:chgData name="Lines, Todd" userId="afaf7c3a-e8aa-4568-882a-02ad8f9e19b0" providerId="ADAL" clId="{B7B82E5F-F831-4829-BBB3-747E5ECF0875}" dt="2024-02-05T22:02:06.269" v="170" actId="47"/>
+        <pc:sldMkLst>
+          <pc:docMk/>
+          <pc:sldMk cId="3529587403" sldId="1472"/>
+        </pc:sldMkLst>
+      </pc:sldChg>
+      <pc:sldChg chg="new del">
+        <pc:chgData name="Lines, Todd" userId="afaf7c3a-e8aa-4568-882a-02ad8f9e19b0" providerId="ADAL" clId="{B7B82E5F-F831-4829-BBB3-747E5ECF0875}" dt="2024-02-05T22:02:06.236" v="169" actId="47"/>
+        <pc:sldMkLst>
+          <pc:docMk/>
+          <pc:sldMk cId="2493547260" sldId="1473"/>
+        </pc:sldMkLst>
+      </pc:sldChg>
+      <pc:sldChg chg="new del">
+        <pc:chgData name="Lines, Todd" userId="afaf7c3a-e8aa-4568-882a-02ad8f9e19b0" providerId="ADAL" clId="{B7B82E5F-F831-4829-BBB3-747E5ECF0875}" dt="2024-02-05T22:02:06.212" v="168" actId="47"/>
+        <pc:sldMkLst>
+          <pc:docMk/>
+          <pc:sldMk cId="708135719" sldId="1474"/>
+        </pc:sldMkLst>
+      </pc:sldChg>
+      <pc:sldChg chg="new del">
+        <pc:chgData name="Lines, Todd" userId="afaf7c3a-e8aa-4568-882a-02ad8f9e19b0" providerId="ADAL" clId="{B7B82E5F-F831-4829-BBB3-747E5ECF0875}" dt="2024-02-05T22:02:06.182" v="167" actId="47"/>
+        <pc:sldMkLst>
+          <pc:docMk/>
+          <pc:sldMk cId="3996940229" sldId="1475"/>
+        </pc:sldMkLst>
+      </pc:sldChg>
+      <pc:sldChg chg="new del">
+        <pc:chgData name="Lines, Todd" userId="afaf7c3a-e8aa-4568-882a-02ad8f9e19b0" providerId="ADAL" clId="{B7B82E5F-F831-4829-BBB3-747E5ECF0875}" dt="2024-02-05T22:02:06.165" v="166" actId="47"/>
+        <pc:sldMkLst>
+          <pc:docMk/>
+          <pc:sldMk cId="1653942135" sldId="1476"/>
+        </pc:sldMkLst>
+      </pc:sldChg>
+      <pc:sldChg chg="new del">
+        <pc:chgData name="Lines, Todd" userId="afaf7c3a-e8aa-4568-882a-02ad8f9e19b0" providerId="ADAL" clId="{B7B82E5F-F831-4829-BBB3-747E5ECF0875}" dt="2024-02-05T22:02:06.109" v="165" actId="47"/>
+        <pc:sldMkLst>
+          <pc:docMk/>
+          <pc:sldMk cId="4278530656" sldId="1477"/>
+        </pc:sldMkLst>
+      </pc:sldChg>
+      <pc:sldChg chg="new del">
+        <pc:chgData name="Lines, Todd" userId="afaf7c3a-e8aa-4568-882a-02ad8f9e19b0" providerId="ADAL" clId="{B7B82E5F-F831-4829-BBB3-747E5ECF0875}" dt="2024-02-05T22:02:06.042" v="164" actId="47"/>
+        <pc:sldMkLst>
+          <pc:docMk/>
+          <pc:sldMk cId="2000982318" sldId="1478"/>
+        </pc:sldMkLst>
+      </pc:sldChg>
+      <pc:sldChg chg="new del">
+        <pc:chgData name="Lines, Todd" userId="afaf7c3a-e8aa-4568-882a-02ad8f9e19b0" providerId="ADAL" clId="{B7B82E5F-F831-4829-BBB3-747E5ECF0875}" dt="2024-02-05T22:02:06.008" v="163" actId="47"/>
+        <pc:sldMkLst>
+          <pc:docMk/>
+          <pc:sldMk cId="1932204380" sldId="1479"/>
+        </pc:sldMkLst>
+      </pc:sldChg>
+      <pc:sldChg chg="new del">
+        <pc:chgData name="Lines, Todd" userId="afaf7c3a-e8aa-4568-882a-02ad8f9e19b0" providerId="ADAL" clId="{B7B82E5F-F831-4829-BBB3-747E5ECF0875}" dt="2024-02-05T22:02:05.975" v="162" actId="47"/>
+        <pc:sldMkLst>
+          <pc:docMk/>
+          <pc:sldMk cId="4021808137" sldId="1480"/>
+        </pc:sldMkLst>
+      </pc:sldChg>
+      <pc:sldChg chg="new del">
+        <pc:chgData name="Lines, Todd" userId="afaf7c3a-e8aa-4568-882a-02ad8f9e19b0" providerId="ADAL" clId="{B7B82E5F-F831-4829-BBB3-747E5ECF0875}" dt="2024-02-05T22:02:05.937" v="161" actId="47"/>
+        <pc:sldMkLst>
+          <pc:docMk/>
+          <pc:sldMk cId="60292760" sldId="1481"/>
+        </pc:sldMkLst>
+      </pc:sldChg>
+      <pc:sldChg chg="new del">
+        <pc:chgData name="Lines, Todd" userId="afaf7c3a-e8aa-4568-882a-02ad8f9e19b0" providerId="ADAL" clId="{B7B82E5F-F831-4829-BBB3-747E5ECF0875}" dt="2024-02-05T22:02:05.902" v="160" actId="47"/>
+        <pc:sldMkLst>
+          <pc:docMk/>
+          <pc:sldMk cId="1243338659" sldId="1482"/>
+        </pc:sldMkLst>
+      </pc:sldChg>
+      <pc:sldChg chg="new del">
+        <pc:chgData name="Lines, Todd" userId="afaf7c3a-e8aa-4568-882a-02ad8f9e19b0" providerId="ADAL" clId="{B7B82E5F-F831-4829-BBB3-747E5ECF0875}" dt="2024-02-05T22:02:05.871" v="159" actId="47"/>
+        <pc:sldMkLst>
+          <pc:docMk/>
+          <pc:sldMk cId="38412053" sldId="1483"/>
+        </pc:sldMkLst>
+      </pc:sldChg>
+      <pc:sldChg chg="new del">
+        <pc:chgData name="Lines, Todd" userId="afaf7c3a-e8aa-4568-882a-02ad8f9e19b0" providerId="ADAL" clId="{B7B82E5F-F831-4829-BBB3-747E5ECF0875}" dt="2024-02-05T22:02:05.841" v="158" actId="47"/>
+        <pc:sldMkLst>
+          <pc:docMk/>
+          <pc:sldMk cId="3727844855" sldId="1484"/>
+        </pc:sldMkLst>
+      </pc:sldChg>
+      <pc:sldChg chg="new del">
+        <pc:chgData name="Lines, Todd" userId="afaf7c3a-e8aa-4568-882a-02ad8f9e19b0" providerId="ADAL" clId="{B7B82E5F-F831-4829-BBB3-747E5ECF0875}" dt="2024-02-05T22:02:05.826" v="157" actId="47"/>
+        <pc:sldMkLst>
+          <pc:docMk/>
+          <pc:sldMk cId="2820984559" sldId="1485"/>
+        </pc:sldMkLst>
+      </pc:sldChg>
+      <pc:sldChg chg="new del">
+        <pc:chgData name="Lines, Todd" userId="afaf7c3a-e8aa-4568-882a-02ad8f9e19b0" providerId="ADAL" clId="{B7B82E5F-F831-4829-BBB3-747E5ECF0875}" dt="2024-02-05T22:02:05.775" v="156" actId="47"/>
+        <pc:sldMkLst>
+          <pc:docMk/>
+          <pc:sldMk cId="1838375600" sldId="1486"/>
+        </pc:sldMkLst>
+      </pc:sldChg>
+      <pc:sldChg chg="new del">
+        <pc:chgData name="Lines, Todd" userId="afaf7c3a-e8aa-4568-882a-02ad8f9e19b0" providerId="ADAL" clId="{B7B82E5F-F831-4829-BBB3-747E5ECF0875}" dt="2024-02-05T22:02:05.706" v="155" actId="47"/>
+        <pc:sldMkLst>
+          <pc:docMk/>
+          <pc:sldMk cId="2749364304" sldId="1487"/>
+        </pc:sldMkLst>
+      </pc:sldChg>
+      <pc:sldChg chg="new del">
+        <pc:chgData name="Lines, Todd" userId="afaf7c3a-e8aa-4568-882a-02ad8f9e19b0" providerId="ADAL" clId="{B7B82E5F-F831-4829-BBB3-747E5ECF0875}" dt="2024-02-05T22:02:05.676" v="154" actId="47"/>
+        <pc:sldMkLst>
+          <pc:docMk/>
+          <pc:sldMk cId="2292816719" sldId="1488"/>
+        </pc:sldMkLst>
+      </pc:sldChg>
+      <pc:sldChg chg="new del">
+        <pc:chgData name="Lines, Todd" userId="afaf7c3a-e8aa-4568-882a-02ad8f9e19b0" providerId="ADAL" clId="{B7B82E5F-F831-4829-BBB3-747E5ECF0875}" dt="2024-02-05T22:02:05.644" v="153" actId="47"/>
+        <pc:sldMkLst>
+          <pc:docMk/>
+          <pc:sldMk cId="1602032509" sldId="1489"/>
+        </pc:sldMkLst>
+      </pc:sldChg>
+      <pc:sldChg chg="new del">
+        <pc:chgData name="Lines, Todd" userId="afaf7c3a-e8aa-4568-882a-02ad8f9e19b0" providerId="ADAL" clId="{B7B82E5F-F831-4829-BBB3-747E5ECF0875}" dt="2024-02-05T22:02:05.602" v="152" actId="47"/>
+        <pc:sldMkLst>
+          <pc:docMk/>
+          <pc:sldMk cId="3877982134" sldId="1490"/>
+        </pc:sldMkLst>
+      </pc:sldChg>
+      <pc:sldChg chg="new del">
+        <pc:chgData name="Lines, Todd" userId="afaf7c3a-e8aa-4568-882a-02ad8f9e19b0" providerId="ADAL" clId="{B7B82E5F-F831-4829-BBB3-747E5ECF0875}" dt="2024-02-05T22:02:05.570" v="151" actId="47"/>
+        <pc:sldMkLst>
+          <pc:docMk/>
+          <pc:sldMk cId="460125845" sldId="1491"/>
+        </pc:sldMkLst>
+      </pc:sldChg>
+      <pc:sldChg chg="new del">
+        <pc:chgData name="Lines, Todd" userId="afaf7c3a-e8aa-4568-882a-02ad8f9e19b0" providerId="ADAL" clId="{B7B82E5F-F831-4829-BBB3-747E5ECF0875}" dt="2024-02-05T22:02:05.539" v="150" actId="47"/>
+        <pc:sldMkLst>
+          <pc:docMk/>
+          <pc:sldMk cId="743468240" sldId="1492"/>
+        </pc:sldMkLst>
+      </pc:sldChg>
+      <pc:sldChg chg="new del">
+        <pc:chgData name="Lines, Todd" userId="afaf7c3a-e8aa-4568-882a-02ad8f9e19b0" providerId="ADAL" clId="{B7B82E5F-F831-4829-BBB3-747E5ECF0875}" dt="2024-02-05T22:02:05.509" v="149" actId="47"/>
+        <pc:sldMkLst>
+          <pc:docMk/>
+          <pc:sldMk cId="2881122631" sldId="1493"/>
+        </pc:sldMkLst>
+      </pc:sldChg>
+      <pc:sldChg chg="new del">
+        <pc:chgData name="Lines, Todd" userId="afaf7c3a-e8aa-4568-882a-02ad8f9e19b0" providerId="ADAL" clId="{B7B82E5F-F831-4829-BBB3-747E5ECF0875}" dt="2024-02-05T22:02:05.442" v="148" actId="47"/>
+        <pc:sldMkLst>
+          <pc:docMk/>
+          <pc:sldMk cId="3401002541" sldId="1494"/>
+        </pc:sldMkLst>
+      </pc:sldChg>
+      <pc:sldChg chg="new del">
+        <pc:chgData name="Lines, Todd" userId="afaf7c3a-e8aa-4568-882a-02ad8f9e19b0" providerId="ADAL" clId="{B7B82E5F-F831-4829-BBB3-747E5ECF0875}" dt="2024-02-05T22:02:05.423" v="147" actId="47"/>
+        <pc:sldMkLst>
+          <pc:docMk/>
+          <pc:sldMk cId="1983742387" sldId="1495"/>
+        </pc:sldMkLst>
+      </pc:sldChg>
+      <pc:sldChg chg="new del">
+        <pc:chgData name="Lines, Todd" userId="afaf7c3a-e8aa-4568-882a-02ad8f9e19b0" providerId="ADAL" clId="{B7B82E5F-F831-4829-BBB3-747E5ECF0875}" dt="2024-02-05T22:02:05.404" v="146" actId="47"/>
+        <pc:sldMkLst>
+          <pc:docMk/>
+          <pc:sldMk cId="2794834339" sldId="1496"/>
+        </pc:sldMkLst>
+      </pc:sldChg>
+      <pc:sldChg chg="new del">
+        <pc:chgData name="Lines, Todd" userId="afaf7c3a-e8aa-4568-882a-02ad8f9e19b0" providerId="ADAL" clId="{B7B82E5F-F831-4829-BBB3-747E5ECF0875}" dt="2024-02-05T22:02:05.325" v="145" actId="47"/>
+        <pc:sldMkLst>
+          <pc:docMk/>
+          <pc:sldMk cId="3186032304" sldId="1497"/>
+        </pc:sldMkLst>
+      </pc:sldChg>
+      <pc:sldChg chg="new del">
+        <pc:chgData name="Lines, Todd" userId="afaf7c3a-e8aa-4568-882a-02ad8f9e19b0" providerId="ADAL" clId="{B7B82E5F-F831-4829-BBB3-747E5ECF0875}" dt="2024-02-05T22:02:05.269" v="144" actId="47"/>
+        <pc:sldMkLst>
+          <pc:docMk/>
+          <pc:sldMk cId="797135480" sldId="1498"/>
+        </pc:sldMkLst>
+      </pc:sldChg>
+      <pc:sldChg chg="new del">
+        <pc:chgData name="Lines, Todd" userId="afaf7c3a-e8aa-4568-882a-02ad8f9e19b0" providerId="ADAL" clId="{B7B82E5F-F831-4829-BBB3-747E5ECF0875}" dt="2024-02-05T22:02:05.238" v="143" actId="47"/>
+        <pc:sldMkLst>
+          <pc:docMk/>
+          <pc:sldMk cId="2811293673" sldId="1499"/>
+        </pc:sldMkLst>
+      </pc:sldChg>
+      <pc:sldChg chg="new del">
+        <pc:chgData name="Lines, Todd" userId="afaf7c3a-e8aa-4568-882a-02ad8f9e19b0" providerId="ADAL" clId="{B7B82E5F-F831-4829-BBB3-747E5ECF0875}" dt="2024-02-05T22:02:05.206" v="142" actId="47"/>
+        <pc:sldMkLst>
+          <pc:docMk/>
+          <pc:sldMk cId="726248375" sldId="1500"/>
+        </pc:sldMkLst>
+      </pc:sldChg>
+      <pc:sldChg chg="new del">
+        <pc:chgData name="Lines, Todd" userId="afaf7c3a-e8aa-4568-882a-02ad8f9e19b0" providerId="ADAL" clId="{B7B82E5F-F831-4829-BBB3-747E5ECF0875}" dt="2024-02-05T22:02:05.173" v="141" actId="47"/>
+        <pc:sldMkLst>
+          <pc:docMk/>
+          <pc:sldMk cId="4131623585" sldId="1501"/>
+        </pc:sldMkLst>
+      </pc:sldChg>
+      <pc:sldChg chg="new del">
+        <pc:chgData name="Lines, Todd" userId="afaf7c3a-e8aa-4568-882a-02ad8f9e19b0" providerId="ADAL" clId="{B7B82E5F-F831-4829-BBB3-747E5ECF0875}" dt="2024-02-05T22:02:05.142" v="140" actId="47"/>
+        <pc:sldMkLst>
+          <pc:docMk/>
+          <pc:sldMk cId="4169578682" sldId="1502"/>
+        </pc:sldMkLst>
+      </pc:sldChg>
+      <pc:sldChg chg="new del">
+        <pc:chgData name="Lines, Todd" userId="afaf7c3a-e8aa-4568-882a-02ad8f9e19b0" providerId="ADAL" clId="{B7B82E5F-F831-4829-BBB3-747E5ECF0875}" dt="2024-02-05T22:02:05.116" v="139" actId="47"/>
+        <pc:sldMkLst>
+          <pc:docMk/>
+          <pc:sldMk cId="1751194157" sldId="1503"/>
+        </pc:sldMkLst>
+      </pc:sldChg>
+      <pc:sldChg chg="new del">
+        <pc:chgData name="Lines, Todd" userId="afaf7c3a-e8aa-4568-882a-02ad8f9e19b0" providerId="ADAL" clId="{B7B82E5F-F831-4829-BBB3-747E5ECF0875}" dt="2024-02-05T22:02:05.099" v="138" actId="47"/>
+        <pc:sldMkLst>
+          <pc:docMk/>
+          <pc:sldMk cId="3195483527" sldId="1504"/>
+        </pc:sldMkLst>
+      </pc:sldChg>
+      <pc:sldChg chg="new del">
+        <pc:chgData name="Lines, Todd" userId="afaf7c3a-e8aa-4568-882a-02ad8f9e19b0" providerId="ADAL" clId="{B7B82E5F-F831-4829-BBB3-747E5ECF0875}" dt="2024-02-05T22:02:05.042" v="137" actId="47"/>
+        <pc:sldMkLst>
+          <pc:docMk/>
+          <pc:sldMk cId="3108018142" sldId="1505"/>
+        </pc:sldMkLst>
+      </pc:sldChg>
+      <pc:sldChg chg="new del">
+        <pc:chgData name="Lines, Todd" userId="afaf7c3a-e8aa-4568-882a-02ad8f9e19b0" providerId="ADAL" clId="{B7B82E5F-F831-4829-BBB3-747E5ECF0875}" dt="2024-02-05T22:02:05.028" v="136" actId="47"/>
+        <pc:sldMkLst>
+          <pc:docMk/>
+          <pc:sldMk cId="1515406597" sldId="1506"/>
+        </pc:sldMkLst>
+      </pc:sldChg>
+      <pc:sldChg chg="new del">
+        <pc:chgData name="Lines, Todd" userId="afaf7c3a-e8aa-4568-882a-02ad8f9e19b0" providerId="ADAL" clId="{B7B82E5F-F831-4829-BBB3-747E5ECF0875}" dt="2024-02-05T22:02:05.013" v="135" actId="47"/>
+        <pc:sldMkLst>
+          <pc:docMk/>
+          <pc:sldMk cId="2017223779" sldId="1507"/>
+        </pc:sldMkLst>
+      </pc:sldChg>
+      <pc:sldChg chg="new del">
+        <pc:chgData name="Lines, Todd" userId="afaf7c3a-e8aa-4568-882a-02ad8f9e19b0" providerId="ADAL" clId="{B7B82E5F-F831-4829-BBB3-747E5ECF0875}" dt="2024-02-05T22:02:04.951" v="134" actId="47"/>
+        <pc:sldMkLst>
+          <pc:docMk/>
+          <pc:sldMk cId="882003781" sldId="1508"/>
+        </pc:sldMkLst>
+      </pc:sldChg>
+      <pc:sldChg chg="new del">
+        <pc:chgData name="Lines, Todd" userId="afaf7c3a-e8aa-4568-882a-02ad8f9e19b0" providerId="ADAL" clId="{B7B82E5F-F831-4829-BBB3-747E5ECF0875}" dt="2024-02-05T22:02:04.905" v="133" actId="47"/>
+        <pc:sldMkLst>
+          <pc:docMk/>
+          <pc:sldMk cId="13896896" sldId="1509"/>
+        </pc:sldMkLst>
+      </pc:sldChg>
+      <pc:sldChg chg="new del">
+        <pc:chgData name="Lines, Todd" userId="afaf7c3a-e8aa-4568-882a-02ad8f9e19b0" providerId="ADAL" clId="{B7B82E5F-F831-4829-BBB3-747E5ECF0875}" dt="2024-02-05T22:02:04.874" v="132" actId="47"/>
+        <pc:sldMkLst>
+          <pc:docMk/>
+          <pc:sldMk cId="842219263" sldId="1510"/>
+        </pc:sldMkLst>
+      </pc:sldChg>
+      <pc:sldChg chg="new del">
+        <pc:chgData name="Lines, Todd" userId="afaf7c3a-e8aa-4568-882a-02ad8f9e19b0" providerId="ADAL" clId="{B7B82E5F-F831-4829-BBB3-747E5ECF0875}" dt="2024-02-05T22:02:04.845" v="131" actId="47"/>
+        <pc:sldMkLst>
+          <pc:docMk/>
+          <pc:sldMk cId="2426208138" sldId="1511"/>
+        </pc:sldMkLst>
+      </pc:sldChg>
+      <pc:sldChg chg="new del">
+        <pc:chgData name="Lines, Todd" userId="afaf7c3a-e8aa-4568-882a-02ad8f9e19b0" providerId="ADAL" clId="{B7B82E5F-F831-4829-BBB3-747E5ECF0875}" dt="2024-02-05T22:02:04.813" v="130" actId="47"/>
+        <pc:sldMkLst>
+          <pc:docMk/>
+          <pc:sldMk cId="1719138212" sldId="1512"/>
+        </pc:sldMkLst>
+      </pc:sldChg>
+      <pc:sldChg chg="new del">
+        <pc:chgData name="Lines, Todd" userId="afaf7c3a-e8aa-4568-882a-02ad8f9e19b0" providerId="ADAL" clId="{B7B82E5F-F831-4829-BBB3-747E5ECF0875}" dt="2024-02-05T22:02:04.783" v="129" actId="47"/>
+        <pc:sldMkLst>
+          <pc:docMk/>
+          <pc:sldMk cId="1964032349" sldId="1513"/>
+        </pc:sldMkLst>
+      </pc:sldChg>
+      <pc:sldChg chg="new del">
+        <pc:chgData name="Lines, Todd" userId="afaf7c3a-e8aa-4568-882a-02ad8f9e19b0" providerId="ADAL" clId="{B7B82E5F-F831-4829-BBB3-747E5ECF0875}" dt="2024-02-05T22:02:04.753" v="128" actId="47"/>
+        <pc:sldMkLst>
+          <pc:docMk/>
+          <pc:sldMk cId="3153472892" sldId="1514"/>
+        </pc:sldMkLst>
+      </pc:sldChg>
+      <pc:sldChg chg="new del">
+        <pc:chgData name="Lines, Todd" userId="afaf7c3a-e8aa-4568-882a-02ad8f9e19b0" providerId="ADAL" clId="{B7B82E5F-F831-4829-BBB3-747E5ECF0875}" dt="2024-02-05T22:02:04.722" v="127" actId="47"/>
+        <pc:sldMkLst>
+          <pc:docMk/>
+          <pc:sldMk cId="3062378914" sldId="1515"/>
+        </pc:sldMkLst>
+      </pc:sldChg>
+      <pc:sldChg chg="new del">
+        <pc:chgData name="Lines, Todd" userId="afaf7c3a-e8aa-4568-882a-02ad8f9e19b0" providerId="ADAL" clId="{B7B82E5F-F831-4829-BBB3-747E5ECF0875}" dt="2024-02-05T22:02:04.696" v="126" actId="47"/>
+        <pc:sldMkLst>
+          <pc:docMk/>
+          <pc:sldMk cId="129922918" sldId="1516"/>
+        </pc:sldMkLst>
+      </pc:sldChg>
+      <pc:sldChg chg="new del">
+        <pc:chgData name="Lines, Todd" userId="afaf7c3a-e8aa-4568-882a-02ad8f9e19b0" providerId="ADAL" clId="{B7B82E5F-F831-4829-BBB3-747E5ECF0875}" dt="2024-02-05T22:02:04.642" v="125" actId="47"/>
+        <pc:sldMkLst>
+          <pc:docMk/>
+          <pc:sldMk cId="2589080601" sldId="1517"/>
+        </pc:sldMkLst>
+      </pc:sldChg>
+      <pc:sldChg chg="new del">
+        <pc:chgData name="Lines, Todd" userId="afaf7c3a-e8aa-4568-882a-02ad8f9e19b0" providerId="ADAL" clId="{B7B82E5F-F831-4829-BBB3-747E5ECF0875}" dt="2024-02-05T22:02:04.581" v="124" actId="47"/>
+        <pc:sldMkLst>
+          <pc:docMk/>
+          <pc:sldMk cId="2443477418" sldId="1518"/>
+        </pc:sldMkLst>
+      </pc:sldChg>
+      <pc:sldChg chg="new del">
+        <pc:chgData name="Lines, Todd" userId="afaf7c3a-e8aa-4568-882a-02ad8f9e19b0" providerId="ADAL" clId="{B7B82E5F-F831-4829-BBB3-747E5ECF0875}" dt="2024-02-05T22:02:04.550" v="123" actId="47"/>
+        <pc:sldMkLst>
+          <pc:docMk/>
+          <pc:sldMk cId="1062259037" sldId="1519"/>
+        </pc:sldMkLst>
+      </pc:sldChg>
+      <pc:sldChg chg="new del">
+        <pc:chgData name="Lines, Todd" userId="afaf7c3a-e8aa-4568-882a-02ad8f9e19b0" providerId="ADAL" clId="{B7B82E5F-F831-4829-BBB3-747E5ECF0875}" dt="2024-02-05T22:02:04.517" v="122" actId="47"/>
+        <pc:sldMkLst>
+          <pc:docMk/>
+          <pc:sldMk cId="879565513" sldId="1520"/>
+        </pc:sldMkLst>
+      </pc:sldChg>
+      <pc:sldChg chg="new del">
+        <pc:chgData name="Lines, Todd" userId="afaf7c3a-e8aa-4568-882a-02ad8f9e19b0" providerId="ADAL" clId="{B7B82E5F-F831-4829-BBB3-747E5ECF0875}" dt="2024-02-05T22:02:03.825" v="115" actId="47"/>
+        <pc:sldMkLst>
+          <pc:docMk/>
+          <pc:sldMk cId="1788136940" sldId="1521"/>
+        </pc:sldMkLst>
+      </pc:sldChg>
+      <pc:sldMasterChg chg="delSldLayout">
+        <pc:chgData name="Lines, Todd" userId="afaf7c3a-e8aa-4568-882a-02ad8f9e19b0" providerId="ADAL" clId="{B7B82E5F-F831-4829-BBB3-747E5ECF0875}" dt="2024-02-05T22:02:08.768" v="240" actId="47"/>
+        <pc:sldMasterMkLst>
+          <pc:docMk/>
+          <pc:sldMasterMk cId="0" sldId="2147483648"/>
+        </pc:sldMasterMkLst>
+        <pc:sldLayoutChg chg="del">
+          <pc:chgData name="Lines, Todd" userId="afaf7c3a-e8aa-4568-882a-02ad8f9e19b0" providerId="ADAL" clId="{B7B82E5F-F831-4829-BBB3-747E5ECF0875}" dt="2024-02-05T22:02:08.768" v="240" actId="47"/>
+          <pc:sldLayoutMkLst>
+            <pc:docMk/>
+            <pc:sldMasterMk cId="0" sldId="2147483648"/>
+            <pc:sldLayoutMk cId="0" sldId="2147483660"/>
+          </pc:sldLayoutMkLst>
+        </pc:sldLayoutChg>
+      </pc:sldMasterChg>
+    </pc:docChg>
+  </pc:docChgLst>
 </pc:chgInfo>
 </file>
 
@@ -453,7 +1520,7 @@
             <a:fld id="{274E73DB-DBB2-4ACE-957D-285C05C6BACC}" type="datetimeFigureOut">
               <a:rPr lang="en-US" smtClean="0"/>
               <a:pPr/>
-              <a:t>10/6/2023</a:t>
+              <a:t>2/5/2024</a:t>
             </a:fld>
             <a:endParaRPr lang="en-US"/>
           </a:p>
@@ -985,7 +2052,7 @@
             <a:fld id="{4A79DAC6-E98C-47E3-9EFD-73B2CA790042}" type="datetimeFigureOut">
               <a:rPr lang="en-US" smtClean="0"/>
               <a:pPr/>
-              <a:t>10/6/2023</a:t>
+              <a:t>2/5/2024</a:t>
             </a:fld>
             <a:endParaRPr lang="en-US"/>
           </a:p>
@@ -1150,7 +2217,7 @@
             <a:fld id="{4A79DAC6-E98C-47E3-9EFD-73B2CA790042}" type="datetimeFigureOut">
               <a:rPr lang="en-US" smtClean="0"/>
               <a:pPr/>
-              <a:t>10/6/2023</a:t>
+              <a:t>2/5/2024</a:t>
             </a:fld>
             <a:endParaRPr lang="en-US"/>
           </a:p>
@@ -1325,7 +2392,7 @@
             <a:fld id="{4A79DAC6-E98C-47E3-9EFD-73B2CA790042}" type="datetimeFigureOut">
               <a:rPr lang="en-US" smtClean="0"/>
               <a:pPr/>
-              <a:t>10/6/2023</a:t>
+              <a:t>2/5/2024</a:t>
             </a:fld>
             <a:endParaRPr lang="en-US"/>
           </a:p>
@@ -1602,6 +2669,11 @@
         </p:txBody>
       </p:sp>
     </p:spTree>
+    <p:extLst>
+      <p:ext uri="{BB962C8B-B14F-4D97-AF65-F5344CB8AC3E}">
+        <p14:creationId xmlns:p14="http://schemas.microsoft.com/office/powerpoint/2010/main" val="3070387521"/>
+      </p:ext>
+    </p:extLst>
   </p:cSld>
   <p:clrMapOvr>
     <a:masterClrMapping/>
@@ -1717,7 +2789,7 @@
             <a:fld id="{4A79DAC6-E98C-47E3-9EFD-73B2CA790042}" type="datetimeFigureOut">
               <a:rPr lang="en-US" smtClean="0"/>
               <a:pPr/>
-              <a:t>10/6/2023</a:t>
+              <a:t>2/5/2024</a:t>
             </a:fld>
             <a:endParaRPr lang="en-US"/>
           </a:p>
@@ -1959,7 +3031,7 @@
             <a:fld id="{4A79DAC6-E98C-47E3-9EFD-73B2CA790042}" type="datetimeFigureOut">
               <a:rPr lang="en-US" smtClean="0"/>
               <a:pPr/>
-              <a:t>10/6/2023</a:t>
+              <a:t>2/5/2024</a:t>
             </a:fld>
             <a:endParaRPr lang="en-US"/>
           </a:p>
@@ -2241,7 +3313,7 @@
             <a:fld id="{4A79DAC6-E98C-47E3-9EFD-73B2CA790042}" type="datetimeFigureOut">
               <a:rPr lang="en-US" smtClean="0"/>
               <a:pPr/>
-              <a:t>10/6/2023</a:t>
+              <a:t>2/5/2024</a:t>
             </a:fld>
             <a:endParaRPr lang="en-US"/>
           </a:p>
@@ -2657,7 +3729,7 @@
             <a:fld id="{4A79DAC6-E98C-47E3-9EFD-73B2CA790042}" type="datetimeFigureOut">
               <a:rPr lang="en-US" smtClean="0"/>
               <a:pPr/>
-              <a:t>10/6/2023</a:t>
+              <a:t>2/5/2024</a:t>
             </a:fld>
             <a:endParaRPr lang="en-US"/>
           </a:p>
@@ -2771,7 +3843,7 @@
             <a:fld id="{4A79DAC6-E98C-47E3-9EFD-73B2CA790042}" type="datetimeFigureOut">
               <a:rPr lang="en-US" smtClean="0"/>
               <a:pPr/>
-              <a:t>10/6/2023</a:t>
+              <a:t>2/5/2024</a:t>
             </a:fld>
             <a:endParaRPr lang="en-US"/>
           </a:p>
@@ -2863,7 +3935,7 @@
             <a:fld id="{4A79DAC6-E98C-47E3-9EFD-73B2CA790042}" type="datetimeFigureOut">
               <a:rPr lang="en-US" smtClean="0"/>
               <a:pPr/>
-              <a:t>10/6/2023</a:t>
+              <a:t>2/5/2024</a:t>
             </a:fld>
             <a:endParaRPr lang="en-US"/>
           </a:p>
@@ -3135,7 +4207,7 @@
             <a:fld id="{4A79DAC6-E98C-47E3-9EFD-73B2CA790042}" type="datetimeFigureOut">
               <a:rPr lang="en-US" smtClean="0"/>
               <a:pPr/>
-              <a:t>10/6/2023</a:t>
+              <a:t>2/5/2024</a:t>
             </a:fld>
             <a:endParaRPr lang="en-US"/>
           </a:p>
@@ -3384,7 +4456,7 @@
             <a:fld id="{4A79DAC6-E98C-47E3-9EFD-73B2CA790042}" type="datetimeFigureOut">
               <a:rPr lang="en-US" smtClean="0"/>
               <a:pPr/>
-              <a:t>10/6/2023</a:t>
+              <a:t>2/5/2024</a:t>
             </a:fld>
             <a:endParaRPr lang="en-US"/>
           </a:p>
@@ -3592,7 +4664,7 @@
             <a:fld id="{4A79DAC6-E98C-47E3-9EFD-73B2CA790042}" type="datetimeFigureOut">
               <a:rPr lang="en-US" smtClean="0"/>
               <a:pPr/>
-              <a:t>10/6/2023</a:t>
+              <a:t>2/5/2024</a:t>
             </a:fld>
             <a:endParaRPr lang="en-US"/>
           </a:p>
@@ -4138,6 +5210,79 @@
           </a:p>
         </p:txBody>
       </p:sp>
+      <p:graphicFrame>
+        <p:nvGraphicFramePr>
+          <p:cNvPr id="2" name="Object 3">
+            <a:extLst>
+              <a:ext uri="{FF2B5EF4-FFF2-40B4-BE49-F238E27FC236}">
+                <a16:creationId xmlns:a16="http://schemas.microsoft.com/office/drawing/2014/main" id="{EC32C447-0E19-D549-999D-02B7EBD7DC78}"/>
+              </a:ext>
+            </a:extLst>
+          </p:cNvPr>
+          <p:cNvGraphicFramePr>
+            <a:graphicFrameLocks noChangeAspect="1"/>
+          </p:cNvGraphicFramePr>
+          <p:nvPr/>
+        </p:nvGraphicFramePr>
+        <p:xfrm>
+          <a:off x="3581400" y="3657600"/>
+          <a:ext cx="4989342" cy="2133600"/>
+        </p:xfrm>
+        <a:graphic>
+          <a:graphicData uri="http://schemas.openxmlformats.org/presentationml/2006/ole">
+            <mc:AlternateContent xmlns:mc="http://schemas.openxmlformats.org/markup-compatibility/2006">
+              <mc:Choice xmlns:v="urn:schemas-microsoft-com:vml" Requires="v">
+                <p:oleObj name="Equation" r:id="rId2" imgW="4343400" imgH="1854200" progId="Equation.3">
+                  <p:embed/>
+                </p:oleObj>
+              </mc:Choice>
+              <mc:Fallback>
+                <p:oleObj name="Equation" r:id="rId2" imgW="4343400" imgH="1854200" progId="Equation.3">
+                  <p:embed/>
+                  <p:pic>
+                    <p:nvPicPr>
+                      <p:cNvPr id="2" name="Object 3">
+                        <a:extLst>
+                          <a:ext uri="{FF2B5EF4-FFF2-40B4-BE49-F238E27FC236}">
+                            <a16:creationId xmlns:a16="http://schemas.microsoft.com/office/drawing/2014/main" id="{EC32C447-0E19-D549-999D-02B7EBD7DC78}"/>
+                          </a:ext>
+                        </a:extLst>
+                      </p:cNvPr>
+                      <p:cNvPicPr>
+                        <a:picLocks noChangeAspect="1" noChangeArrowheads="1"/>
+                      </p:cNvPicPr>
+                      <p:nvPr/>
+                    </p:nvPicPr>
+                    <p:blipFill>
+                      <a:blip r:embed="rId3">
+                        <a:extLst>
+                          <a:ext uri="{28A0092B-C50C-407E-A947-70E740481C1C}">
+                            <a14:useLocalDpi xmlns:a14="http://schemas.microsoft.com/office/drawing/2010/main" val="0"/>
+                          </a:ext>
+                        </a:extLst>
+                      </a:blip>
+                      <a:srcRect/>
+                      <a:stretch>
+                        <a:fillRect/>
+                      </a:stretch>
+                    </p:blipFill>
+                    <p:spPr bwMode="auto">
+                      <a:xfrm>
+                        <a:off x="3581400" y="3657600"/>
+                        <a:ext cx="4989342" cy="2133600"/>
+                      </a:xfrm>
+                      <a:prstGeom prst="rect">
+                        <a:avLst/>
+                      </a:prstGeom>
+                      <a:noFill/>
+                    </p:spPr>
+                  </p:pic>
+                </p:oleObj>
+              </mc:Fallback>
+            </mc:AlternateContent>
+          </a:graphicData>
+        </a:graphic>
+      </p:graphicFrame>
     </p:spTree>
   </p:cSld>
   <p:clrMapOvr>
@@ -4283,6 +5428,79 @@
           </a:p>
         </p:txBody>
       </p:sp>
+      <p:graphicFrame>
+        <p:nvGraphicFramePr>
+          <p:cNvPr id="2" name="Object 3">
+            <a:extLst>
+              <a:ext uri="{FF2B5EF4-FFF2-40B4-BE49-F238E27FC236}">
+                <a16:creationId xmlns:a16="http://schemas.microsoft.com/office/drawing/2014/main" id="{A275945B-A920-06C5-7F7B-1353FDD4DC38}"/>
+              </a:ext>
+            </a:extLst>
+          </p:cNvPr>
+          <p:cNvGraphicFramePr>
+            <a:graphicFrameLocks noChangeAspect="1"/>
+          </p:cNvGraphicFramePr>
+          <p:nvPr/>
+        </p:nvGraphicFramePr>
+        <p:xfrm>
+          <a:off x="3505200" y="4440481"/>
+          <a:ext cx="4989342" cy="2133600"/>
+        </p:xfrm>
+        <a:graphic>
+          <a:graphicData uri="http://schemas.openxmlformats.org/presentationml/2006/ole">
+            <mc:AlternateContent xmlns:mc="http://schemas.openxmlformats.org/markup-compatibility/2006">
+              <mc:Choice xmlns:v="urn:schemas-microsoft-com:vml" Requires="v">
+                <p:oleObj name="Equation" r:id="rId2" imgW="4343400" imgH="1854200" progId="Equation.3">
+                  <p:embed/>
+                </p:oleObj>
+              </mc:Choice>
+              <mc:Fallback>
+                <p:oleObj name="Equation" r:id="rId2" imgW="4343400" imgH="1854200" progId="Equation.3">
+                  <p:embed/>
+                  <p:pic>
+                    <p:nvPicPr>
+                      <p:cNvPr id="2" name="Object 3">
+                        <a:extLst>
+                          <a:ext uri="{FF2B5EF4-FFF2-40B4-BE49-F238E27FC236}">
+                            <a16:creationId xmlns:a16="http://schemas.microsoft.com/office/drawing/2014/main" id="{A275945B-A920-06C5-7F7B-1353FDD4DC38}"/>
+                          </a:ext>
+                        </a:extLst>
+                      </p:cNvPr>
+                      <p:cNvPicPr>
+                        <a:picLocks noChangeAspect="1" noChangeArrowheads="1"/>
+                      </p:cNvPicPr>
+                      <p:nvPr/>
+                    </p:nvPicPr>
+                    <p:blipFill>
+                      <a:blip r:embed="rId3">
+                        <a:extLst>
+                          <a:ext uri="{28A0092B-C50C-407E-A947-70E740481C1C}">
+                            <a14:useLocalDpi xmlns:a14="http://schemas.microsoft.com/office/drawing/2010/main" val="0"/>
+                          </a:ext>
+                        </a:extLst>
+                      </a:blip>
+                      <a:srcRect/>
+                      <a:stretch>
+                        <a:fillRect/>
+                      </a:stretch>
+                    </p:blipFill>
+                    <p:spPr bwMode="auto">
+                      <a:xfrm>
+                        <a:off x="3505200" y="4440481"/>
+                        <a:ext cx="4989342" cy="2133600"/>
+                      </a:xfrm>
+                      <a:prstGeom prst="rect">
+                        <a:avLst/>
+                      </a:prstGeom>
+                      <a:noFill/>
+                    </p:spPr>
+                  </p:pic>
+                </p:oleObj>
+              </mc:Fallback>
+            </mc:AlternateContent>
+          </a:graphicData>
+        </a:graphic>
+      </p:graphicFrame>
     </p:spTree>
   </p:cSld>
   <p:clrMapOvr>
@@ -10719,6 +11937,79 @@
           </a:p>
         </p:txBody>
       </p:sp>
+      <p:graphicFrame>
+        <p:nvGraphicFramePr>
+          <p:cNvPr id="2" name="Object 1">
+            <a:extLst>
+              <a:ext uri="{FF2B5EF4-FFF2-40B4-BE49-F238E27FC236}">
+                <a16:creationId xmlns:a16="http://schemas.microsoft.com/office/drawing/2014/main" id="{C20B6E2A-7F12-A88A-16A8-D4B84B6BA3D7}"/>
+              </a:ext>
+            </a:extLst>
+          </p:cNvPr>
+          <p:cNvGraphicFramePr>
+            <a:graphicFrameLocks noChangeAspect="1"/>
+          </p:cNvGraphicFramePr>
+          <p:nvPr/>
+        </p:nvGraphicFramePr>
+        <p:xfrm>
+          <a:off x="4191000" y="4191000"/>
+          <a:ext cx="4310494" cy="1708664"/>
+        </p:xfrm>
+        <a:graphic>
+          <a:graphicData uri="http://schemas.openxmlformats.org/presentationml/2006/ole">
+            <mc:AlternateContent xmlns:mc="http://schemas.openxmlformats.org/markup-compatibility/2006">
+              <mc:Choice xmlns:v="urn:schemas-microsoft-com:vml" Requires="v">
+                <p:oleObj name="Equation" r:id="rId2" imgW="4229100" imgH="1676400" progId="Equation.3">
+                  <p:embed/>
+                </p:oleObj>
+              </mc:Choice>
+              <mc:Fallback>
+                <p:oleObj name="Equation" r:id="rId2" imgW="4229100" imgH="1676400" progId="Equation.3">
+                  <p:embed/>
+                  <p:pic>
+                    <p:nvPicPr>
+                      <p:cNvPr id="2" name="Object 1">
+                        <a:extLst>
+                          <a:ext uri="{FF2B5EF4-FFF2-40B4-BE49-F238E27FC236}">
+                            <a16:creationId xmlns:a16="http://schemas.microsoft.com/office/drawing/2014/main" id="{C20B6E2A-7F12-A88A-16A8-D4B84B6BA3D7}"/>
+                          </a:ext>
+                        </a:extLst>
+                      </p:cNvPr>
+                      <p:cNvPicPr>
+                        <a:picLocks noChangeAspect="1" noChangeArrowheads="1"/>
+                      </p:cNvPicPr>
+                      <p:nvPr/>
+                    </p:nvPicPr>
+                    <p:blipFill>
+                      <a:blip r:embed="rId3">
+                        <a:extLst>
+                          <a:ext uri="{28A0092B-C50C-407E-A947-70E740481C1C}">
+                            <a14:useLocalDpi xmlns:a14="http://schemas.microsoft.com/office/drawing/2010/main" val="0"/>
+                          </a:ext>
+                        </a:extLst>
+                      </a:blip>
+                      <a:srcRect/>
+                      <a:stretch>
+                        <a:fillRect/>
+                      </a:stretch>
+                    </p:blipFill>
+                    <p:spPr bwMode="auto">
+                      <a:xfrm>
+                        <a:off x="4191000" y="4191000"/>
+                        <a:ext cx="4310494" cy="1708664"/>
+                      </a:xfrm>
+                      <a:prstGeom prst="rect">
+                        <a:avLst/>
+                      </a:prstGeom>
+                      <a:noFill/>
+                    </p:spPr>
+                  </p:pic>
+                </p:oleObj>
+              </mc:Fallback>
+            </mc:AlternateContent>
+          </a:graphicData>
+        </a:graphic>
+      </p:graphicFrame>
     </p:spTree>
   </p:cSld>
   <p:clrMapOvr>
@@ -17077,6 +18368,79 @@
           </a:p>
         </p:txBody>
       </p:sp>
+      <p:graphicFrame>
+        <p:nvGraphicFramePr>
+          <p:cNvPr id="2" name="Object 1">
+            <a:extLst>
+              <a:ext uri="{FF2B5EF4-FFF2-40B4-BE49-F238E27FC236}">
+                <a16:creationId xmlns:a16="http://schemas.microsoft.com/office/drawing/2014/main" id="{B058EDE9-67A8-ED37-C44B-68EB1ABAAE6D}"/>
+              </a:ext>
+            </a:extLst>
+          </p:cNvPr>
+          <p:cNvGraphicFramePr>
+            <a:graphicFrameLocks noChangeAspect="1"/>
+          </p:cNvGraphicFramePr>
+          <p:nvPr/>
+        </p:nvGraphicFramePr>
+        <p:xfrm>
+          <a:off x="3886200" y="3308316"/>
+          <a:ext cx="5148694" cy="2040924"/>
+        </p:xfrm>
+        <a:graphic>
+          <a:graphicData uri="http://schemas.openxmlformats.org/presentationml/2006/ole">
+            <mc:AlternateContent xmlns:mc="http://schemas.openxmlformats.org/markup-compatibility/2006">
+              <mc:Choice xmlns:v="urn:schemas-microsoft-com:vml" Requires="v">
+                <p:oleObj name="Equation" r:id="rId2" imgW="4229100" imgH="1676400" progId="Equation.3">
+                  <p:embed/>
+                </p:oleObj>
+              </mc:Choice>
+              <mc:Fallback>
+                <p:oleObj name="Equation" r:id="rId2" imgW="4229100" imgH="1676400" progId="Equation.3">
+                  <p:embed/>
+                  <p:pic>
+                    <p:nvPicPr>
+                      <p:cNvPr id="2" name="Object 1">
+                        <a:extLst>
+                          <a:ext uri="{FF2B5EF4-FFF2-40B4-BE49-F238E27FC236}">
+                            <a16:creationId xmlns:a16="http://schemas.microsoft.com/office/drawing/2014/main" id="{B058EDE9-67A8-ED37-C44B-68EB1ABAAE6D}"/>
+                          </a:ext>
+                        </a:extLst>
+                      </p:cNvPr>
+                      <p:cNvPicPr>
+                        <a:picLocks noChangeAspect="1" noChangeArrowheads="1"/>
+                      </p:cNvPicPr>
+                      <p:nvPr/>
+                    </p:nvPicPr>
+                    <p:blipFill>
+                      <a:blip r:embed="rId3">
+                        <a:extLst>
+                          <a:ext uri="{28A0092B-C50C-407E-A947-70E740481C1C}">
+                            <a14:useLocalDpi xmlns:a14="http://schemas.microsoft.com/office/drawing/2010/main" val="0"/>
+                          </a:ext>
+                        </a:extLst>
+                      </a:blip>
+                      <a:srcRect/>
+                      <a:stretch>
+                        <a:fillRect/>
+                      </a:stretch>
+                    </p:blipFill>
+                    <p:spPr bwMode="auto">
+                      <a:xfrm>
+                        <a:off x="3886200" y="3308316"/>
+                        <a:ext cx="5148694" cy="2040924"/>
+                      </a:xfrm>
+                      <a:prstGeom prst="rect">
+                        <a:avLst/>
+                      </a:prstGeom>
+                      <a:noFill/>
+                    </p:spPr>
+                  </p:pic>
+                </p:oleObj>
+              </mc:Fallback>
+            </mc:AlternateContent>
+          </a:graphicData>
+        </a:graphic>
+      </p:graphicFrame>
     </p:spTree>
   </p:cSld>
   <p:clrMapOvr>
@@ -17512,6 +18876,79 @@
           </a:p>
         </p:txBody>
       </p:sp>
+      <p:graphicFrame>
+        <p:nvGraphicFramePr>
+          <p:cNvPr id="2" name="Object 1">
+            <a:extLst>
+              <a:ext uri="{FF2B5EF4-FFF2-40B4-BE49-F238E27FC236}">
+                <a16:creationId xmlns:a16="http://schemas.microsoft.com/office/drawing/2014/main" id="{FC31EBD3-94D8-982A-EBE5-91D9EFFCC607}"/>
+              </a:ext>
+            </a:extLst>
+          </p:cNvPr>
+          <p:cNvGraphicFramePr>
+            <a:graphicFrameLocks noChangeAspect="1"/>
+          </p:cNvGraphicFramePr>
+          <p:nvPr/>
+        </p:nvGraphicFramePr>
+        <p:xfrm>
+          <a:off x="3886200" y="3308316"/>
+          <a:ext cx="5148694" cy="2040924"/>
+        </p:xfrm>
+        <a:graphic>
+          <a:graphicData uri="http://schemas.openxmlformats.org/presentationml/2006/ole">
+            <mc:AlternateContent xmlns:mc="http://schemas.openxmlformats.org/markup-compatibility/2006">
+              <mc:Choice xmlns:v="urn:schemas-microsoft-com:vml" Requires="v">
+                <p:oleObj name="Equation" r:id="rId2" imgW="4229100" imgH="1676400" progId="Equation.3">
+                  <p:embed/>
+                </p:oleObj>
+              </mc:Choice>
+              <mc:Fallback>
+                <p:oleObj name="Equation" r:id="rId2" imgW="4229100" imgH="1676400" progId="Equation.3">
+                  <p:embed/>
+                  <p:pic>
+                    <p:nvPicPr>
+                      <p:cNvPr id="2" name="Object 1">
+                        <a:extLst>
+                          <a:ext uri="{FF2B5EF4-FFF2-40B4-BE49-F238E27FC236}">
+                            <a16:creationId xmlns:a16="http://schemas.microsoft.com/office/drawing/2014/main" id="{FC31EBD3-94D8-982A-EBE5-91D9EFFCC607}"/>
+                          </a:ext>
+                        </a:extLst>
+                      </p:cNvPr>
+                      <p:cNvPicPr>
+                        <a:picLocks noChangeAspect="1" noChangeArrowheads="1"/>
+                      </p:cNvPicPr>
+                      <p:nvPr/>
+                    </p:nvPicPr>
+                    <p:blipFill>
+                      <a:blip r:embed="rId3">
+                        <a:extLst>
+                          <a:ext uri="{28A0092B-C50C-407E-A947-70E740481C1C}">
+                            <a14:useLocalDpi xmlns:a14="http://schemas.microsoft.com/office/drawing/2010/main" val="0"/>
+                          </a:ext>
+                        </a:extLst>
+                      </a:blip>
+                      <a:srcRect/>
+                      <a:stretch>
+                        <a:fillRect/>
+                      </a:stretch>
+                    </p:blipFill>
+                    <p:spPr bwMode="auto">
+                      <a:xfrm>
+                        <a:off x="3886200" y="3308316"/>
+                        <a:ext cx="5148694" cy="2040924"/>
+                      </a:xfrm>
+                      <a:prstGeom prst="rect">
+                        <a:avLst/>
+                      </a:prstGeom>
+                      <a:noFill/>
+                    </p:spPr>
+                  </p:pic>
+                </p:oleObj>
+              </mc:Fallback>
+            </mc:AlternateContent>
+          </a:graphicData>
+        </a:graphic>
+      </p:graphicFrame>
     </p:spTree>
   </p:cSld>
   <p:clrMapOvr>

--- a/Slides/PH223_Lecture_17.pptx
+++ b/Slides/PH223_Lecture_17.pptx
@@ -5,7 +5,7 @@
     <p:sldMasterId id="2147483648" r:id="rId1"/>
   </p:sldMasterIdLst>
   <p:notesMasterIdLst>
-    <p:notesMasterId r:id="rId34"/>
+    <p:notesMasterId r:id="rId36"/>
   </p:notesMasterIdLst>
   <p:sldIdLst>
     <p:sldId id="257" r:id="rId2"/>
@@ -28,18 +28,20 @@
     <p:sldId id="262" r:id="rId19"/>
     <p:sldId id="263" r:id="rId20"/>
     <p:sldId id="259" r:id="rId21"/>
-    <p:sldId id="260" r:id="rId22"/>
-    <p:sldId id="1401" r:id="rId23"/>
-    <p:sldId id="258" r:id="rId24"/>
-    <p:sldId id="1281" r:id="rId25"/>
-    <p:sldId id="1279" r:id="rId26"/>
-    <p:sldId id="1280" r:id="rId27"/>
-    <p:sldId id="1282" r:id="rId28"/>
-    <p:sldId id="1406" r:id="rId29"/>
-    <p:sldId id="1283" r:id="rId30"/>
-    <p:sldId id="264" r:id="rId31"/>
-    <p:sldId id="265" r:id="rId32"/>
-    <p:sldId id="261" r:id="rId33"/>
+    <p:sldId id="1407" r:id="rId22"/>
+    <p:sldId id="1408" r:id="rId23"/>
+    <p:sldId id="260" r:id="rId24"/>
+    <p:sldId id="1401" r:id="rId25"/>
+    <p:sldId id="258" r:id="rId26"/>
+    <p:sldId id="1281" r:id="rId27"/>
+    <p:sldId id="1279" r:id="rId28"/>
+    <p:sldId id="1280" r:id="rId29"/>
+    <p:sldId id="1282" r:id="rId30"/>
+    <p:sldId id="1406" r:id="rId31"/>
+    <p:sldId id="1283" r:id="rId32"/>
+    <p:sldId id="264" r:id="rId33"/>
+    <p:sldId id="265" r:id="rId34"/>
+    <p:sldId id="261" r:id="rId35"/>
   </p:sldIdLst>
   <p:sldSz cx="9144000" cy="6858000" type="screen4x3"/>
   <p:notesSz cx="7010400" cy="9296400"/>
@@ -160,13 +162,140 @@
 <file path=ppt/revisionInfo.xml><?xml version="1.0" encoding="utf-8"?>
 <p1510:revInfo xmlns:a="http://schemas.openxmlformats.org/drawingml/2006/main" xmlns:r="http://schemas.openxmlformats.org/officeDocument/2006/relationships" xmlns:p1510="http://schemas.microsoft.com/office/powerpoint/2015/10/main">
   <p1510:revLst>
-    <p1510:client id="{B7B82E5F-F831-4829-BBB3-747E5ECF0875}" v="1" dt="2024-02-05T22:03:48.120"/>
+    <p1510:client id="{7801E0AF-7AFF-4BE8-96E3-12F5CE9D27F5}" v="4" dt="2024-10-16T17:17:52.955"/>
   </p1510:revLst>
 </p1510:revInfo>
 </file>
 
 <file path=ppt/changesInfos/changesInfo1.xml><?xml version="1.0" encoding="utf-8"?>
 <pc:chgInfo xmlns:a="http://schemas.openxmlformats.org/drawingml/2006/main" xmlns:r="http://schemas.openxmlformats.org/officeDocument/2006/relationships" xmlns:ac="http://schemas.microsoft.com/office/drawing/2013/main/command" xmlns:pc="http://schemas.microsoft.com/office/powerpoint/2013/main/command">
+  <pc:docChgLst>
+    <pc:chgData name="Lines, Todd" userId="afaf7c3a-e8aa-4568-882a-02ad8f9e19b0" providerId="ADAL" clId="{7801E0AF-7AFF-4BE8-96E3-12F5CE9D27F5}"/>
+    <pc:docChg chg="custSel addSld modSld sldOrd">
+      <pc:chgData name="Lines, Todd" userId="afaf7c3a-e8aa-4568-882a-02ad8f9e19b0" providerId="ADAL" clId="{7801E0AF-7AFF-4BE8-96E3-12F5CE9D27F5}" dt="2024-10-16T17:17:52.955" v="75" actId="931"/>
+      <pc:docMkLst>
+        <pc:docMk/>
+      </pc:docMkLst>
+      <pc:sldChg chg="addSp delSp modSp new mod ord">
+        <pc:chgData name="Lines, Todd" userId="afaf7c3a-e8aa-4568-882a-02ad8f9e19b0" providerId="ADAL" clId="{7801E0AF-7AFF-4BE8-96E3-12F5CE9D27F5}" dt="2024-10-11T23:34:00.592" v="70" actId="21"/>
+        <pc:sldMkLst>
+          <pc:docMk/>
+          <pc:sldMk cId="2783189795" sldId="1407"/>
+        </pc:sldMkLst>
+        <pc:spChg chg="del">
+          <ac:chgData name="Lines, Todd" userId="afaf7c3a-e8aa-4568-882a-02ad8f9e19b0" providerId="ADAL" clId="{7801E0AF-7AFF-4BE8-96E3-12F5CE9D27F5}" dt="2024-10-11T23:29:19.613" v="57" actId="478"/>
+          <ac:spMkLst>
+            <pc:docMk/>
+            <pc:sldMk cId="2783189795" sldId="1407"/>
+            <ac:spMk id="2" creationId="{9D067926-7094-9C3F-369F-D389A2562022}"/>
+          </ac:spMkLst>
+        </pc:spChg>
+        <pc:spChg chg="del">
+          <ac:chgData name="Lines, Todd" userId="afaf7c3a-e8aa-4568-882a-02ad8f9e19b0" providerId="ADAL" clId="{7801E0AF-7AFF-4BE8-96E3-12F5CE9D27F5}" dt="2024-10-11T23:29:21.103" v="58" actId="478"/>
+          <ac:spMkLst>
+            <pc:docMk/>
+            <pc:sldMk cId="2783189795" sldId="1407"/>
+            <ac:spMk id="3" creationId="{0AA8998F-23D9-5995-612A-F62A130A5B82}"/>
+          </ac:spMkLst>
+        </pc:spChg>
+        <pc:spChg chg="add mod">
+          <ac:chgData name="Lines, Todd" userId="afaf7c3a-e8aa-4568-882a-02ad8f9e19b0" providerId="ADAL" clId="{7801E0AF-7AFF-4BE8-96E3-12F5CE9D27F5}" dt="2024-10-11T23:28:57.679" v="56" actId="6549"/>
+          <ac:spMkLst>
+            <pc:docMk/>
+            <pc:sldMk cId="2783189795" sldId="1407"/>
+            <ac:spMk id="10" creationId="{2E03117C-EFE1-28AD-D6DB-B03ADDA8EA5D}"/>
+          </ac:spMkLst>
+        </pc:spChg>
+        <pc:picChg chg="add mod ord">
+          <ac:chgData name="Lines, Todd" userId="afaf7c3a-e8aa-4568-882a-02ad8f9e19b0" providerId="ADAL" clId="{7801E0AF-7AFF-4BE8-96E3-12F5CE9D27F5}" dt="2024-10-11T23:33:43.233" v="68" actId="1076"/>
+          <ac:picMkLst>
+            <pc:docMk/>
+            <pc:sldMk cId="2783189795" sldId="1407"/>
+            <ac:picMk id="3" creationId="{46CE48B2-73A5-086C-A45D-0974D4A883E1}"/>
+          </ac:picMkLst>
+        </pc:picChg>
+        <pc:picChg chg="del mod">
+          <ac:chgData name="Lines, Todd" userId="afaf7c3a-e8aa-4568-882a-02ad8f9e19b0" providerId="ADAL" clId="{7801E0AF-7AFF-4BE8-96E3-12F5CE9D27F5}" dt="2024-10-11T23:34:00.592" v="70" actId="21"/>
+          <ac:picMkLst>
+            <pc:docMk/>
+            <pc:sldMk cId="2783189795" sldId="1407"/>
+            <ac:picMk id="4" creationId="{DC0D07EF-FF78-0263-7413-6A5B8AAC1CA2}"/>
+          </ac:picMkLst>
+        </pc:picChg>
+        <pc:picChg chg="add del mod">
+          <ac:chgData name="Lines, Todd" userId="afaf7c3a-e8aa-4568-882a-02ad8f9e19b0" providerId="ADAL" clId="{7801E0AF-7AFF-4BE8-96E3-12F5CE9D27F5}" dt="2024-10-11T23:22:51.336" v="5" actId="478"/>
+          <ac:picMkLst>
+            <pc:docMk/>
+            <pc:sldMk cId="2783189795" sldId="1407"/>
+            <ac:picMk id="5" creationId="{369AEA9F-292A-796F-6FB3-40F74E86E01D}"/>
+          </ac:picMkLst>
+        </pc:picChg>
+        <pc:picChg chg="add del mod">
+          <ac:chgData name="Lines, Todd" userId="afaf7c3a-e8aa-4568-882a-02ad8f9e19b0" providerId="ADAL" clId="{7801E0AF-7AFF-4BE8-96E3-12F5CE9D27F5}" dt="2024-10-11T23:26:02.884" v="9" actId="478"/>
+          <ac:picMkLst>
+            <pc:docMk/>
+            <pc:sldMk cId="2783189795" sldId="1407"/>
+            <ac:picMk id="7" creationId="{B4314AD3-D624-F167-819E-613B1FAFD8CD}"/>
+          </ac:picMkLst>
+        </pc:picChg>
+        <pc:picChg chg="add del mod">
+          <ac:chgData name="Lines, Todd" userId="afaf7c3a-e8aa-4568-882a-02ad8f9e19b0" providerId="ADAL" clId="{7801E0AF-7AFF-4BE8-96E3-12F5CE9D27F5}" dt="2024-10-11T23:33:26.886" v="63" actId="478"/>
+          <ac:picMkLst>
+            <pc:docMk/>
+            <pc:sldMk cId="2783189795" sldId="1407"/>
+            <ac:picMk id="9" creationId="{EF66ADF4-D927-A47F-B2FF-F489298F2F37}"/>
+          </ac:picMkLst>
+        </pc:picChg>
+        <pc:picChg chg="del mod">
+          <ac:chgData name="Lines, Todd" userId="afaf7c3a-e8aa-4568-882a-02ad8f9e19b0" providerId="ADAL" clId="{7801E0AF-7AFF-4BE8-96E3-12F5CE9D27F5}" dt="2024-10-11T23:29:34.821" v="60" actId="21"/>
+          <ac:picMkLst>
+            <pc:docMk/>
+            <pc:sldMk cId="2783189795" sldId="1407"/>
+            <ac:picMk id="11" creationId="{8CE0C81E-3A40-BFED-C230-49104799EBDE}"/>
+          </ac:picMkLst>
+        </pc:picChg>
+      </pc:sldChg>
+      <pc:sldChg chg="addSp delSp modSp new mod">
+        <pc:chgData name="Lines, Todd" userId="afaf7c3a-e8aa-4568-882a-02ad8f9e19b0" providerId="ADAL" clId="{7801E0AF-7AFF-4BE8-96E3-12F5CE9D27F5}" dt="2024-10-16T17:17:52.955" v="75" actId="931"/>
+        <pc:sldMkLst>
+          <pc:docMk/>
+          <pc:sldMk cId="1900611436" sldId="1408"/>
+        </pc:sldMkLst>
+        <pc:spChg chg="del">
+          <ac:chgData name="Lines, Todd" userId="afaf7c3a-e8aa-4568-882a-02ad8f9e19b0" providerId="ADAL" clId="{7801E0AF-7AFF-4BE8-96E3-12F5CE9D27F5}" dt="2024-10-16T17:17:27.513" v="74" actId="478"/>
+          <ac:spMkLst>
+            <pc:docMk/>
+            <pc:sldMk cId="1900611436" sldId="1408"/>
+            <ac:spMk id="2" creationId="{4C90879C-BCFA-D071-C424-11F71FDA3495}"/>
+          </ac:spMkLst>
+        </pc:spChg>
+        <pc:spChg chg="del">
+          <ac:chgData name="Lines, Todd" userId="afaf7c3a-e8aa-4568-882a-02ad8f9e19b0" providerId="ADAL" clId="{7801E0AF-7AFF-4BE8-96E3-12F5CE9D27F5}" dt="2024-10-16T17:17:27.513" v="74" actId="478"/>
+          <ac:spMkLst>
+            <pc:docMk/>
+            <pc:sldMk cId="1900611436" sldId="1408"/>
+            <ac:spMk id="3" creationId="{6FF6824C-CB2F-7D61-0941-5B75255FF319}"/>
+          </ac:spMkLst>
+        </pc:spChg>
+        <pc:picChg chg="add del">
+          <ac:chgData name="Lines, Todd" userId="afaf7c3a-e8aa-4568-882a-02ad8f9e19b0" providerId="ADAL" clId="{7801E0AF-7AFF-4BE8-96E3-12F5CE9D27F5}" dt="2024-10-16T17:17:24.426" v="73" actId="478"/>
+          <ac:picMkLst>
+            <pc:docMk/>
+            <pc:sldMk cId="1900611436" sldId="1408"/>
+            <ac:picMk id="5" creationId="{B5003253-5D59-9E45-9BA1-538822A2B207}"/>
+          </ac:picMkLst>
+        </pc:picChg>
+        <pc:picChg chg="add mod">
+          <ac:chgData name="Lines, Todd" userId="afaf7c3a-e8aa-4568-882a-02ad8f9e19b0" providerId="ADAL" clId="{7801E0AF-7AFF-4BE8-96E3-12F5CE9D27F5}" dt="2024-10-16T17:17:52.955" v="75" actId="931"/>
+          <ac:picMkLst>
+            <pc:docMk/>
+            <pc:sldMk cId="1900611436" sldId="1408"/>
+            <ac:picMk id="7" creationId="{D1A5EC3C-A576-ECE0-3759-4DBDA5ED1A9B}"/>
+          </ac:picMkLst>
+        </pc:picChg>
+      </pc:sldChg>
+    </pc:docChg>
+  </pc:docChgLst>
   <pc:docChgLst>
     <pc:chgData name="Lines, Todd" userId="afaf7c3a-e8aa-4568-882a-02ad8f9e19b0" providerId="ADAL" clId="{556DC718-82DC-4E1C-B9AA-6E06337FEA53}"/>
     <pc:docChg chg="addSld delSld modSld sldOrd">
@@ -1428,7 +1557,7 @@
           <pc:sldLayoutMkLst>
             <pc:docMk/>
             <pc:sldMasterMk cId="0" sldId="2147483648"/>
-            <pc:sldLayoutMk cId="0" sldId="2147483660"/>
+            <pc:sldLayoutMk cId="3070387521" sldId="2147483660"/>
           </pc:sldLayoutMkLst>
         </pc:sldLayoutChg>
       </pc:sldMasterChg>
@@ -1520,7 +1649,7 @@
             <a:fld id="{274E73DB-DBB2-4ACE-957D-285C05C6BACC}" type="datetimeFigureOut">
               <a:rPr lang="en-US" smtClean="0"/>
               <a:pPr/>
-              <a:t>2/5/2024</a:t>
+              <a:t>10/16/2024</a:t>
             </a:fld>
             <a:endParaRPr lang="en-US"/>
           </a:p>
@@ -1872,6 +2001,91 @@
 </p:notes>
 </file>
 
+<file path=ppt/notesSlides/notesSlide2.xml><?xml version="1.0" encoding="utf-8"?>
+<p:notes xmlns:a="http://schemas.openxmlformats.org/drawingml/2006/main" xmlns:r="http://schemas.openxmlformats.org/officeDocument/2006/relationships" xmlns:p="http://schemas.openxmlformats.org/presentationml/2006/main">
+  <p:cSld>
+    <p:spTree>
+      <p:nvGrpSpPr>
+        <p:cNvPr id="1" name=""/>
+        <p:cNvGrpSpPr/>
+        <p:nvPr/>
+      </p:nvGrpSpPr>
+      <p:grpSpPr>
+        <a:xfrm>
+          <a:off x="0" y="0"/>
+          <a:ext cx="0" cy="0"/>
+          <a:chOff x="0" y="0"/>
+          <a:chExt cx="0" cy="0"/>
+        </a:xfrm>
+      </p:grpSpPr>
+      <p:sp>
+        <p:nvSpPr>
+          <p:cNvPr id="2" name="Slide Image Placeholder 1"/>
+          <p:cNvSpPr>
+            <a:spLocks noGrp="1" noRot="1" noChangeAspect="1"/>
+          </p:cNvSpPr>
+          <p:nvPr>
+            <p:ph type="sldImg"/>
+          </p:nvPr>
+        </p:nvSpPr>
+        <p:spPr/>
+      </p:sp>
+      <p:sp>
+        <p:nvSpPr>
+          <p:cNvPr id="3" name="Notes Placeholder 2"/>
+          <p:cNvSpPr>
+            <a:spLocks noGrp="1"/>
+          </p:cNvSpPr>
+          <p:nvPr>
+            <p:ph type="body" idx="1"/>
+          </p:nvPr>
+        </p:nvSpPr>
+        <p:spPr/>
+        <p:txBody>
+          <a:bodyPr/>
+          <a:lstStyle/>
+          <a:p>
+            <a:endParaRPr lang="en-US" dirty="0"/>
+          </a:p>
+        </p:txBody>
+      </p:sp>
+      <p:sp>
+        <p:nvSpPr>
+          <p:cNvPr id="4" name="Slide Number Placeholder 3"/>
+          <p:cNvSpPr>
+            <a:spLocks noGrp="1"/>
+          </p:cNvSpPr>
+          <p:nvPr>
+            <p:ph type="sldNum" sz="quarter" idx="5"/>
+          </p:nvPr>
+        </p:nvSpPr>
+        <p:spPr/>
+        <p:txBody>
+          <a:bodyPr/>
+          <a:lstStyle/>
+          <a:p>
+            <a:fld id="{2A4A21F1-2740-4BC3-B9F3-072B91B13EC1}" type="slidenum">
+              <a:rPr lang="en-US" smtClean="0"/>
+              <a:pPr/>
+              <a:t>21</a:t>
+            </a:fld>
+            <a:endParaRPr lang="en-US"/>
+          </a:p>
+        </p:txBody>
+      </p:sp>
+    </p:spTree>
+    <p:extLst>
+      <p:ext uri="{BB962C8B-B14F-4D97-AF65-F5344CB8AC3E}">
+        <p14:creationId xmlns:p14="http://schemas.microsoft.com/office/powerpoint/2010/main" val="3314780995"/>
+      </p:ext>
+    </p:extLst>
+  </p:cSld>
+  <p:clrMapOvr>
+    <a:masterClrMapping/>
+  </p:clrMapOvr>
+</p:notes>
+</file>
+
 <file path=ppt/slideLayouts/slideLayout1.xml><?xml version="1.0" encoding="utf-8"?>
 <p:sldLayout xmlns:a="http://schemas.openxmlformats.org/drawingml/2006/main" xmlns:r="http://schemas.openxmlformats.org/officeDocument/2006/relationships" xmlns:p="http://schemas.openxmlformats.org/presentationml/2006/main" type="title" preserve="1">
   <p:cSld name="Title Slide">
@@ -2052,7 +2266,7 @@
             <a:fld id="{4A79DAC6-E98C-47E3-9EFD-73B2CA790042}" type="datetimeFigureOut">
               <a:rPr lang="en-US" smtClean="0"/>
               <a:pPr/>
-              <a:t>2/5/2024</a:t>
+              <a:t>10/16/2024</a:t>
             </a:fld>
             <a:endParaRPr lang="en-US"/>
           </a:p>
@@ -2217,7 +2431,7 @@
             <a:fld id="{4A79DAC6-E98C-47E3-9EFD-73B2CA790042}" type="datetimeFigureOut">
               <a:rPr lang="en-US" smtClean="0"/>
               <a:pPr/>
-              <a:t>2/5/2024</a:t>
+              <a:t>10/16/2024</a:t>
             </a:fld>
             <a:endParaRPr lang="en-US"/>
           </a:p>
@@ -2392,7 +2606,7 @@
             <a:fld id="{4A79DAC6-E98C-47E3-9EFD-73B2CA790042}" type="datetimeFigureOut">
               <a:rPr lang="en-US" smtClean="0"/>
               <a:pPr/>
-              <a:t>2/5/2024</a:t>
+              <a:t>10/16/2024</a:t>
             </a:fld>
             <a:endParaRPr lang="en-US"/>
           </a:p>
@@ -2789,7 +3003,7 @@
             <a:fld id="{4A79DAC6-E98C-47E3-9EFD-73B2CA790042}" type="datetimeFigureOut">
               <a:rPr lang="en-US" smtClean="0"/>
               <a:pPr/>
-              <a:t>2/5/2024</a:t>
+              <a:t>10/16/2024</a:t>
             </a:fld>
             <a:endParaRPr lang="en-US"/>
           </a:p>
@@ -3031,7 +3245,7 @@
             <a:fld id="{4A79DAC6-E98C-47E3-9EFD-73B2CA790042}" type="datetimeFigureOut">
               <a:rPr lang="en-US" smtClean="0"/>
               <a:pPr/>
-              <a:t>2/5/2024</a:t>
+              <a:t>10/16/2024</a:t>
             </a:fld>
             <a:endParaRPr lang="en-US"/>
           </a:p>
@@ -3313,7 +3527,7 @@
             <a:fld id="{4A79DAC6-E98C-47E3-9EFD-73B2CA790042}" type="datetimeFigureOut">
               <a:rPr lang="en-US" smtClean="0"/>
               <a:pPr/>
-              <a:t>2/5/2024</a:t>
+              <a:t>10/16/2024</a:t>
             </a:fld>
             <a:endParaRPr lang="en-US"/>
           </a:p>
@@ -3729,7 +3943,7 @@
             <a:fld id="{4A79DAC6-E98C-47E3-9EFD-73B2CA790042}" type="datetimeFigureOut">
               <a:rPr lang="en-US" smtClean="0"/>
               <a:pPr/>
-              <a:t>2/5/2024</a:t>
+              <a:t>10/16/2024</a:t>
             </a:fld>
             <a:endParaRPr lang="en-US"/>
           </a:p>
@@ -3843,7 +4057,7 @@
             <a:fld id="{4A79DAC6-E98C-47E3-9EFD-73B2CA790042}" type="datetimeFigureOut">
               <a:rPr lang="en-US" smtClean="0"/>
               <a:pPr/>
-              <a:t>2/5/2024</a:t>
+              <a:t>10/16/2024</a:t>
             </a:fld>
             <a:endParaRPr lang="en-US"/>
           </a:p>
@@ -3935,7 +4149,7 @@
             <a:fld id="{4A79DAC6-E98C-47E3-9EFD-73B2CA790042}" type="datetimeFigureOut">
               <a:rPr lang="en-US" smtClean="0"/>
               <a:pPr/>
-              <a:t>2/5/2024</a:t>
+              <a:t>10/16/2024</a:t>
             </a:fld>
             <a:endParaRPr lang="en-US"/>
           </a:p>
@@ -4207,7 +4421,7 @@
             <a:fld id="{4A79DAC6-E98C-47E3-9EFD-73B2CA790042}" type="datetimeFigureOut">
               <a:rPr lang="en-US" smtClean="0"/>
               <a:pPr/>
-              <a:t>2/5/2024</a:t>
+              <a:t>10/16/2024</a:t>
             </a:fld>
             <a:endParaRPr lang="en-US"/>
           </a:p>
@@ -4456,7 +4670,7 @@
             <a:fld id="{4A79DAC6-E98C-47E3-9EFD-73B2CA790042}" type="datetimeFigureOut">
               <a:rPr lang="en-US" smtClean="0"/>
               <a:pPr/>
-              <a:t>2/5/2024</a:t>
+              <a:t>10/16/2024</a:t>
             </a:fld>
             <a:endParaRPr lang="en-US"/>
           </a:p>
@@ -4664,7 +4878,7 @@
             <a:fld id="{4A79DAC6-E98C-47E3-9EFD-73B2CA790042}" type="datetimeFigureOut">
               <a:rPr lang="en-US" smtClean="0"/>
               <a:pPr/>
-              <a:t>2/5/2024</a:t>
+              <a:t>10/16/2024</a:t>
             </a:fld>
             <a:endParaRPr lang="en-US"/>
           </a:p>
@@ -14420,6 +14634,189 @@
           <a:chExt cx="0" cy="0"/>
         </a:xfrm>
       </p:grpSpPr>
+      <p:pic>
+        <p:nvPicPr>
+          <p:cNvPr id="3" name="Picture 2">
+            <a:extLst>
+              <a:ext uri="{FF2B5EF4-FFF2-40B4-BE49-F238E27FC236}">
+                <a16:creationId xmlns:a16="http://schemas.microsoft.com/office/drawing/2014/main" id="{46CE48B2-73A5-086C-A45D-0974D4A883E1}"/>
+              </a:ext>
+            </a:extLst>
+          </p:cNvPr>
+          <p:cNvPicPr>
+            <a:picLocks noChangeAspect="1"/>
+          </p:cNvPicPr>
+          <p:nvPr/>
+        </p:nvPicPr>
+        <p:blipFill>
+          <a:blip r:embed="rId3"/>
+          <a:stretch>
+            <a:fillRect/>
+          </a:stretch>
+        </p:blipFill>
+        <p:spPr>
+          <a:xfrm>
+            <a:off x="1" y="245355"/>
+            <a:ext cx="9143999" cy="6367289"/>
+          </a:xfrm>
+          <a:prstGeom prst="rect">
+            <a:avLst/>
+          </a:prstGeom>
+        </p:spPr>
+      </p:pic>
+      <p:sp>
+        <p:nvSpPr>
+          <p:cNvPr id="10" name="TextBox 9">
+            <a:extLst>
+              <a:ext uri="{FF2B5EF4-FFF2-40B4-BE49-F238E27FC236}">
+                <a16:creationId xmlns:a16="http://schemas.microsoft.com/office/drawing/2014/main" id="{2E03117C-EFE1-28AD-D6DB-B03ADDA8EA5D}"/>
+              </a:ext>
+            </a:extLst>
+          </p:cNvPr>
+          <p:cNvSpPr txBox="1"/>
+          <p:nvPr/>
+        </p:nvSpPr>
+        <p:spPr>
+          <a:xfrm>
+            <a:off x="1371600" y="3657600"/>
+            <a:ext cx="1140056" cy="923330"/>
+          </a:xfrm>
+          <a:prstGeom prst="rect">
+            <a:avLst/>
+          </a:prstGeom>
+          <a:noFill/>
+        </p:spPr>
+        <p:txBody>
+          <a:bodyPr wrap="none" rtlCol="0">
+            <a:spAutoFit/>
+          </a:bodyPr>
+          <a:lstStyle/>
+          <a:p>
+            <a:r>
+              <a:rPr lang="en-US" dirty="0"/>
+              <a:t>s = 50mm</a:t>
+            </a:r>
+          </a:p>
+          <a:p>
+            <a:r>
+              <a:rPr lang="en-US" dirty="0"/>
+              <a:t>f</a:t>
+            </a:r>
+            <a:r>
+              <a:rPr lang="en-US" baseline="-25000" dirty="0"/>
+              <a:t>1 </a:t>
+            </a:r>
+            <a:r>
+              <a:rPr lang="en-US" dirty="0"/>
+              <a:t>= 30mm</a:t>
+            </a:r>
+          </a:p>
+          <a:p>
+            <a:r>
+              <a:rPr lang="en-US" dirty="0"/>
+              <a:t>f</a:t>
+            </a:r>
+            <a:r>
+              <a:rPr lang="en-US" baseline="-25000" dirty="0"/>
+              <a:t>2 </a:t>
+            </a:r>
+            <a:r>
+              <a:rPr lang="en-US" dirty="0"/>
+              <a:t>= 15mm</a:t>
+            </a:r>
+          </a:p>
+        </p:txBody>
+      </p:sp>
+    </p:spTree>
+    <p:extLst>
+      <p:ext uri="{BB962C8B-B14F-4D97-AF65-F5344CB8AC3E}">
+        <p14:creationId xmlns:p14="http://schemas.microsoft.com/office/powerpoint/2010/main" val="2783189795"/>
+      </p:ext>
+    </p:extLst>
+  </p:cSld>
+  <p:clrMapOvr>
+    <a:masterClrMapping/>
+  </p:clrMapOvr>
+</p:sld>
+</file>
+
+<file path=ppt/slides/slide22.xml><?xml version="1.0" encoding="utf-8"?>
+<p:sld xmlns:a="http://schemas.openxmlformats.org/drawingml/2006/main" xmlns:r="http://schemas.openxmlformats.org/officeDocument/2006/relationships" xmlns:p="http://schemas.openxmlformats.org/presentationml/2006/main">
+  <p:cSld>
+    <p:spTree>
+      <p:nvGrpSpPr>
+        <p:cNvPr id="1" name=""/>
+        <p:cNvGrpSpPr/>
+        <p:nvPr/>
+      </p:nvGrpSpPr>
+      <p:grpSpPr>
+        <a:xfrm>
+          <a:off x="0" y="0"/>
+          <a:ext cx="0" cy="0"/>
+          <a:chOff x="0" y="0"/>
+          <a:chExt cx="0" cy="0"/>
+        </a:xfrm>
+      </p:grpSpPr>
+      <p:pic>
+        <p:nvPicPr>
+          <p:cNvPr id="7" name="Picture 6">
+            <a:extLst>
+              <a:ext uri="{FF2B5EF4-FFF2-40B4-BE49-F238E27FC236}">
+                <a16:creationId xmlns:a16="http://schemas.microsoft.com/office/drawing/2014/main" id="{D1A5EC3C-A576-ECE0-3759-4DBDA5ED1A9B}"/>
+              </a:ext>
+            </a:extLst>
+          </p:cNvPr>
+          <p:cNvPicPr>
+            <a:picLocks noChangeAspect="1"/>
+          </p:cNvPicPr>
+          <p:nvPr/>
+        </p:nvPicPr>
+        <p:blipFill>
+          <a:blip r:embed="rId2"/>
+          <a:stretch>
+            <a:fillRect/>
+          </a:stretch>
+        </p:blipFill>
+        <p:spPr>
+          <a:xfrm>
+            <a:off x="0" y="571690"/>
+            <a:ext cx="9144000" cy="5714620"/>
+          </a:xfrm>
+          <a:prstGeom prst="rect">
+            <a:avLst/>
+          </a:prstGeom>
+        </p:spPr>
+      </p:pic>
+    </p:spTree>
+    <p:extLst>
+      <p:ext uri="{BB962C8B-B14F-4D97-AF65-F5344CB8AC3E}">
+        <p14:creationId xmlns:p14="http://schemas.microsoft.com/office/powerpoint/2010/main" val="1900611436"/>
+      </p:ext>
+    </p:extLst>
+  </p:cSld>
+  <p:clrMapOvr>
+    <a:masterClrMapping/>
+  </p:clrMapOvr>
+</p:sld>
+</file>
+
+<file path=ppt/slides/slide23.xml><?xml version="1.0" encoding="utf-8"?>
+<p:sld xmlns:a="http://schemas.openxmlformats.org/drawingml/2006/main" xmlns:r="http://schemas.openxmlformats.org/officeDocument/2006/relationships" xmlns:p="http://schemas.openxmlformats.org/presentationml/2006/main">
+  <p:cSld>
+    <p:spTree>
+      <p:nvGrpSpPr>
+        <p:cNvPr id="1" name=""/>
+        <p:cNvGrpSpPr/>
+        <p:nvPr/>
+      </p:nvGrpSpPr>
+      <p:grpSpPr>
+        <a:xfrm>
+          <a:off x="0" y="0"/>
+          <a:ext cx="0" cy="0"/>
+          <a:chOff x="0" y="0"/>
+          <a:chExt cx="0" cy="0"/>
+        </a:xfrm>
+      </p:grpSpPr>
       <p:sp>
         <p:nvSpPr>
           <p:cNvPr id="42" name="Text Box 7"/>
@@ -16956,7 +17353,7 @@
 </p:sld>
 </file>
 
-<file path=ppt/slides/slide22.xml><?xml version="1.0" encoding="utf-8"?>
+<file path=ppt/slides/slide24.xml><?xml version="1.0" encoding="utf-8"?>
 <p:sld xmlns:a="http://schemas.openxmlformats.org/drawingml/2006/main" xmlns:r="http://schemas.openxmlformats.org/officeDocument/2006/relationships" xmlns:p="http://schemas.openxmlformats.org/presentationml/2006/main">
   <p:cSld>
     <p:spTree>
@@ -17133,7 +17530,7 @@
 </p:sld>
 </file>
 
-<file path=ppt/slides/slide23.xml><?xml version="1.0" encoding="utf-8"?>
+<file path=ppt/slides/slide25.xml><?xml version="1.0" encoding="utf-8"?>
 <p:sld xmlns:a="http://schemas.openxmlformats.org/drawingml/2006/main" xmlns:r="http://schemas.openxmlformats.org/officeDocument/2006/relationships" xmlns:p="http://schemas.openxmlformats.org/presentationml/2006/main">
   <p:cSld>
     <p:spTree>
@@ -17190,7 +17587,7 @@
 </p:sld>
 </file>
 
-<file path=ppt/slides/slide24.xml><?xml version="1.0" encoding="utf-8"?>
+<file path=ppt/slides/slide26.xml><?xml version="1.0" encoding="utf-8"?>
 <p:sld xmlns:a="http://schemas.openxmlformats.org/drawingml/2006/main" xmlns:r="http://schemas.openxmlformats.org/officeDocument/2006/relationships" xmlns:p="http://schemas.openxmlformats.org/presentationml/2006/main">
   <p:cSld>
     <p:spTree>
@@ -17357,7 +17754,7 @@
             <a:fld id="{0301146B-F335-4073-85A8-072265A7A279}" type="slidenum">
               <a:rPr lang="en-US" smtClean="0"/>
               <a:pPr/>
-              <a:t>24</a:t>
+              <a:t>26</a:t>
             </a:fld>
             <a:endParaRPr lang="en-US"/>
           </a:p>
@@ -17479,288 +17876,6 @@
 </p:sld>
 </file>
 
-<file path=ppt/slides/slide25.xml><?xml version="1.0" encoding="utf-8"?>
-<p:sld xmlns:a="http://schemas.openxmlformats.org/drawingml/2006/main" xmlns:r="http://schemas.openxmlformats.org/officeDocument/2006/relationships" xmlns:p="http://schemas.openxmlformats.org/presentationml/2006/main">
-  <p:cSld>
-    <p:spTree>
-      <p:nvGrpSpPr>
-        <p:cNvPr id="1" name=""/>
-        <p:cNvGrpSpPr/>
-        <p:nvPr/>
-      </p:nvGrpSpPr>
-      <p:grpSpPr>
-        <a:xfrm>
-          <a:off x="0" y="0"/>
-          <a:ext cx="0" cy="0"/>
-          <a:chOff x="0" y="0"/>
-          <a:chExt cx="0" cy="0"/>
-        </a:xfrm>
-      </p:grpSpPr>
-      <p:sp>
-        <p:nvSpPr>
-          <p:cNvPr id="2" name="Title 1"/>
-          <p:cNvSpPr>
-            <a:spLocks noGrp="1"/>
-          </p:cNvSpPr>
-          <p:nvPr>
-            <p:ph type="title"/>
-          </p:nvPr>
-        </p:nvSpPr>
-        <p:spPr/>
-        <p:txBody>
-          <a:bodyPr/>
-          <a:lstStyle/>
-          <a:p>
-            <a:r>
-              <a:rPr lang="en-US" dirty="0"/>
-              <a:t>Question 223.17.4</a:t>
-            </a:r>
-          </a:p>
-        </p:txBody>
-      </p:sp>
-      <p:sp>
-        <p:nvSpPr>
-          <p:cNvPr id="3" name="Content Placeholder 2"/>
-          <p:cNvSpPr>
-            <a:spLocks noGrp="1"/>
-          </p:cNvSpPr>
-          <p:nvPr>
-            <p:ph idx="1"/>
-          </p:nvPr>
-        </p:nvSpPr>
-        <p:spPr/>
-        <p:txBody>
-          <a:bodyPr/>
-          <a:lstStyle/>
-          <a:p>
-            <a:pPr>
-              <a:buNone/>
-            </a:pPr>
-            <a:r>
-              <a:rPr lang="en-US" dirty="0"/>
-              <a:t>For a camera, usually the object distance is large. If that is true, about how big is the image distance?</a:t>
-            </a:r>
-          </a:p>
-          <a:p>
-            <a:pPr marL="514350" indent="-514350">
-              <a:buFont typeface="+mj-lt"/>
-              <a:buAutoNum type="alphaLcParenR"/>
-            </a:pPr>
-            <a:r>
-              <a:rPr lang="en-US" dirty="0"/>
-              <a:t>About 10cm</a:t>
-            </a:r>
-          </a:p>
-          <a:p>
-            <a:pPr marL="514350" indent="-514350">
-              <a:buFont typeface="+mj-lt"/>
-              <a:buAutoNum type="alphaLcParenR"/>
-            </a:pPr>
-            <a:r>
-              <a:rPr lang="en-US" dirty="0"/>
-              <a:t>About as big as the focal length</a:t>
-            </a:r>
-          </a:p>
-          <a:p>
-            <a:pPr marL="514350" indent="-514350">
-              <a:buFont typeface="+mj-lt"/>
-              <a:buAutoNum type="alphaLcParenR"/>
-            </a:pPr>
-            <a:r>
-              <a:rPr lang="en-US" dirty="0"/>
-              <a:t>About as big as the diameter of the lens</a:t>
-            </a:r>
-          </a:p>
-          <a:p>
-            <a:pPr marL="514350" indent="-514350">
-              <a:buFont typeface="+mj-lt"/>
-              <a:buAutoNum type="alphaLcParenR"/>
-            </a:pPr>
-            <a:r>
-              <a:rPr lang="en-US" dirty="0"/>
-              <a:t>About as big as the object</a:t>
-            </a:r>
-          </a:p>
-        </p:txBody>
-      </p:sp>
-      <p:sp>
-        <p:nvSpPr>
-          <p:cNvPr id="4" name="Slide Number Placeholder 3"/>
-          <p:cNvSpPr>
-            <a:spLocks noGrp="1"/>
-          </p:cNvSpPr>
-          <p:nvPr>
-            <p:ph type="sldNum" sz="quarter" idx="12"/>
-          </p:nvPr>
-        </p:nvSpPr>
-        <p:spPr/>
-        <p:txBody>
-          <a:bodyPr/>
-          <a:lstStyle/>
-          <a:p>
-            <a:pPr>
-              <a:defRPr/>
-            </a:pPr>
-            <a:fld id="{64137B81-8888-4253-92EC-0AED2A590749}" type="slidenum">
-              <a:rPr lang="en-US" smtClean="0"/>
-              <a:pPr>
-                <a:defRPr/>
-              </a:pPr>
-              <a:t>25</a:t>
-            </a:fld>
-            <a:endParaRPr lang="en-US"/>
-          </a:p>
-        </p:txBody>
-      </p:sp>
-    </p:spTree>
-  </p:cSld>
-  <p:clrMapOvr>
-    <a:masterClrMapping/>
-  </p:clrMapOvr>
-</p:sld>
-</file>
-
-<file path=ppt/slides/slide26.xml><?xml version="1.0" encoding="utf-8"?>
-<p:sld xmlns:a="http://schemas.openxmlformats.org/drawingml/2006/main" xmlns:r="http://schemas.openxmlformats.org/officeDocument/2006/relationships" xmlns:p="http://schemas.openxmlformats.org/presentationml/2006/main">
-  <p:cSld>
-    <p:spTree>
-      <p:nvGrpSpPr>
-        <p:cNvPr id="1" name=""/>
-        <p:cNvGrpSpPr/>
-        <p:nvPr/>
-      </p:nvGrpSpPr>
-      <p:grpSpPr>
-        <a:xfrm>
-          <a:off x="0" y="0"/>
-          <a:ext cx="0" cy="0"/>
-          <a:chOff x="0" y="0"/>
-          <a:chExt cx="0" cy="0"/>
-        </a:xfrm>
-      </p:grpSpPr>
-      <p:sp>
-        <p:nvSpPr>
-          <p:cNvPr id="2" name="Title 1"/>
-          <p:cNvSpPr>
-            <a:spLocks noGrp="1"/>
-          </p:cNvSpPr>
-          <p:nvPr>
-            <p:ph type="title"/>
-          </p:nvPr>
-        </p:nvSpPr>
-        <p:spPr/>
-        <p:txBody>
-          <a:bodyPr/>
-          <a:lstStyle/>
-          <a:p>
-            <a:r>
-              <a:rPr lang="en-US" dirty="0"/>
-              <a:t>Question 223.17.5</a:t>
-            </a:r>
-          </a:p>
-        </p:txBody>
-      </p:sp>
-      <p:sp>
-        <p:nvSpPr>
-          <p:cNvPr id="3" name="Content Placeholder 2"/>
-          <p:cNvSpPr>
-            <a:spLocks noGrp="1"/>
-          </p:cNvSpPr>
-          <p:nvPr>
-            <p:ph idx="1"/>
-          </p:nvPr>
-        </p:nvSpPr>
-        <p:spPr/>
-        <p:txBody>
-          <a:bodyPr/>
-          <a:lstStyle/>
-          <a:p>
-            <a:pPr>
-              <a:buNone/>
-            </a:pPr>
-            <a:r>
-              <a:rPr lang="en-US" dirty="0"/>
-              <a:t>For a camera, usually the object distance is large. If that is true, what can we say about the image size?</a:t>
-            </a:r>
-          </a:p>
-          <a:p>
-            <a:pPr marL="514350" indent="-514350">
-              <a:buFont typeface="+mj-lt"/>
-              <a:buAutoNum type="alphaLcParenR"/>
-            </a:pPr>
-            <a:r>
-              <a:rPr lang="en-US" dirty="0"/>
-              <a:t>It’s 10cm</a:t>
-            </a:r>
-          </a:p>
-          <a:p>
-            <a:pPr marL="514350" indent="-514350">
-              <a:buFont typeface="+mj-lt"/>
-              <a:buAutoNum type="alphaLcParenR"/>
-            </a:pPr>
-            <a:r>
-              <a:rPr lang="en-US" dirty="0"/>
-              <a:t>It is proportional to the focal length</a:t>
-            </a:r>
-          </a:p>
-          <a:p>
-            <a:pPr marL="514350" indent="-514350">
-              <a:buFont typeface="+mj-lt"/>
-              <a:buAutoNum type="alphaLcParenR"/>
-            </a:pPr>
-            <a:r>
-              <a:rPr lang="en-US" dirty="0"/>
-              <a:t>It is proportional to the diameter of the lens</a:t>
-            </a:r>
-          </a:p>
-          <a:p>
-            <a:pPr marL="514350" indent="-514350">
-              <a:buFont typeface="+mj-lt"/>
-              <a:buAutoNum type="alphaLcParenR"/>
-            </a:pPr>
-            <a:r>
-              <a:rPr lang="en-US" dirty="0"/>
-              <a:t>Nothing</a:t>
-            </a:r>
-          </a:p>
-        </p:txBody>
-      </p:sp>
-      <p:sp>
-        <p:nvSpPr>
-          <p:cNvPr id="4" name="Slide Number Placeholder 3"/>
-          <p:cNvSpPr>
-            <a:spLocks noGrp="1"/>
-          </p:cNvSpPr>
-          <p:nvPr>
-            <p:ph type="sldNum" sz="quarter" idx="12"/>
-          </p:nvPr>
-        </p:nvSpPr>
-        <p:spPr/>
-        <p:txBody>
-          <a:bodyPr/>
-          <a:lstStyle/>
-          <a:p>
-            <a:pPr>
-              <a:defRPr/>
-            </a:pPr>
-            <a:fld id="{64137B81-8888-4253-92EC-0AED2A590749}" type="slidenum">
-              <a:rPr lang="en-US" smtClean="0"/>
-              <a:pPr>
-                <a:defRPr/>
-              </a:pPr>
-              <a:t>26</a:t>
-            </a:fld>
-            <a:endParaRPr lang="en-US"/>
-          </a:p>
-        </p:txBody>
-      </p:sp>
-    </p:spTree>
-  </p:cSld>
-  <p:clrMapOvr>
-    <a:masterClrMapping/>
-  </p:clrMapOvr>
-</p:sld>
-</file>
-
 <file path=ppt/slides/slide27.xml><?xml version="1.0" encoding="utf-8"?>
 <p:sld xmlns:a="http://schemas.openxmlformats.org/drawingml/2006/main" xmlns:r="http://schemas.openxmlformats.org/officeDocument/2006/relationships" xmlns:p="http://schemas.openxmlformats.org/presentationml/2006/main">
   <p:cSld>
@@ -17795,7 +17910,7 @@
           <a:p>
             <a:r>
               <a:rPr lang="en-US" dirty="0"/>
-              <a:t>Question 223.17.6</a:t>
+              <a:t>Question 223.17.4</a:t>
             </a:r>
           </a:p>
         </p:txBody>
@@ -17820,7 +17935,7 @@
             </a:pPr>
             <a:r>
               <a:rPr lang="en-US" dirty="0"/>
-              <a:t>For a camera, usually the object distance is large. What can we say about the intensity of the light that strikes the focal plane array?</a:t>
+              <a:t>For a camera, usually the object distance is large. If that is true, about how big is the image distance?</a:t>
             </a:r>
           </a:p>
           <a:p>
@@ -17830,15 +17945,7 @@
             </a:pPr>
             <a:r>
               <a:rPr lang="en-US" dirty="0"/>
-              <a:t>It’s 10</a:t>
-            </a:r>
-            <a:r>
-              <a:rPr lang="en-US" baseline="30000" dirty="0"/>
-              <a:t>2</a:t>
-            </a:r>
-            <a:r>
-              <a:rPr lang="en-US" dirty="0"/>
-              <a:t>cm</a:t>
+              <a:t>About 10cm</a:t>
             </a:r>
           </a:p>
           <a:p>
@@ -17848,7 +17955,7 @@
             </a:pPr>
             <a:r>
               <a:rPr lang="en-US" dirty="0"/>
-              <a:t>It is proportional to the focal length squared</a:t>
+              <a:t>About as big as the focal length</a:t>
             </a:r>
           </a:p>
           <a:p>
@@ -17858,7 +17965,7 @@
             </a:pPr>
             <a:r>
               <a:rPr lang="en-US" dirty="0"/>
-              <a:t>It is proportional to the diameter of the lens squared</a:t>
+              <a:t>About as big as the diameter of the lens</a:t>
             </a:r>
           </a:p>
           <a:p>
@@ -17868,7 +17975,7 @@
             </a:pPr>
             <a:r>
               <a:rPr lang="en-US" dirty="0"/>
-              <a:t>Nothing squared</a:t>
+              <a:t>About as big as the object</a:t>
             </a:r>
           </a:p>
         </p:txBody>
@@ -17944,7 +18051,7 @@
           <a:p>
             <a:r>
               <a:rPr lang="en-US" dirty="0"/>
-              <a:t>Question 223.17.6.5</a:t>
+              <a:t>Question 223.17.5</a:t>
             </a:r>
           </a:p>
         </p:txBody>
@@ -17969,7 +18076,7 @@
             </a:pPr>
             <a:r>
               <a:rPr lang="en-US" dirty="0"/>
-              <a:t>For a camera, will a larger or a smaller aperture let in more light?</a:t>
+              <a:t>For a camera, usually the object distance is large. If that is true, what can we say about the image size?</a:t>
             </a:r>
           </a:p>
           <a:p>
@@ -17979,7 +18086,7 @@
             </a:pPr>
             <a:r>
               <a:rPr lang="en-US" dirty="0"/>
-              <a:t>Larger</a:t>
+              <a:t>It’s 10cm</a:t>
             </a:r>
           </a:p>
           <a:p>
@@ -17989,7 +18096,7 @@
             </a:pPr>
             <a:r>
               <a:rPr lang="en-US" dirty="0"/>
-              <a:t>Smaller</a:t>
+              <a:t>It is proportional to the focal length</a:t>
             </a:r>
           </a:p>
           <a:p>
@@ -17999,7 +18106,17 @@
             </a:pPr>
             <a:r>
               <a:rPr lang="en-US" dirty="0"/>
-              <a:t>Impossible to tell</a:t>
+              <a:t>It is proportional to the diameter of the lens</a:t>
+            </a:r>
+          </a:p>
+          <a:p>
+            <a:pPr marL="514350" indent="-514350">
+              <a:buFont typeface="+mj-lt"/>
+              <a:buAutoNum type="alphaLcParenR"/>
+            </a:pPr>
+            <a:r>
+              <a:rPr lang="en-US" dirty="0"/>
+              <a:t>Nothing</a:t>
             </a:r>
           </a:p>
         </p:txBody>
@@ -18034,11 +18151,6 @@
         </p:txBody>
       </p:sp>
     </p:spTree>
-    <p:extLst>
-      <p:ext uri="{BB962C8B-B14F-4D97-AF65-F5344CB8AC3E}">
-        <p14:creationId xmlns:p14="http://schemas.microsoft.com/office/powerpoint/2010/main" val="1020316820"/>
-      </p:ext>
-    </p:extLst>
   </p:cSld>
   <p:clrMapOvr>
     <a:masterClrMapping/>
@@ -18080,7 +18192,7 @@
           <a:p>
             <a:r>
               <a:rPr lang="en-US" dirty="0"/>
-              <a:t>Question 223.17.7</a:t>
+              <a:t>Question 223.17.6</a:t>
             </a:r>
           </a:p>
         </p:txBody>
@@ -18105,7 +18217,7 @@
             </a:pPr>
             <a:r>
               <a:rPr lang="en-US" dirty="0"/>
-              <a:t>What does the f/# tell you?</a:t>
+              <a:t>For a camera, usually the object distance is large. What can we say about the intensity of the light that strikes the focal plane array?</a:t>
             </a:r>
           </a:p>
           <a:p>
@@ -18115,7 +18227,15 @@
             </a:pPr>
             <a:r>
               <a:rPr lang="en-US" dirty="0"/>
-              <a:t>It gives you a relative intensity measurement</a:t>
+              <a:t>It’s 10</a:t>
+            </a:r>
+            <a:r>
+              <a:rPr lang="en-US" baseline="30000" dirty="0"/>
+              <a:t>2</a:t>
+            </a:r>
+            <a:r>
+              <a:rPr lang="en-US" dirty="0"/>
+              <a:t>cm</a:t>
             </a:r>
           </a:p>
           <a:p>
@@ -18125,7 +18245,7 @@
             </a:pPr>
             <a:r>
               <a:rPr lang="en-US" dirty="0"/>
-              <a:t>It tells you how large your lens is</a:t>
+              <a:t>It is proportional to the focal length squared</a:t>
             </a:r>
           </a:p>
           <a:p>
@@ -18135,7 +18255,7 @@
             </a:pPr>
             <a:r>
               <a:rPr lang="en-US" dirty="0"/>
-              <a:t>It tells you how flat your focal plan array is</a:t>
+              <a:t>It is proportional to the diameter of the lens squared</a:t>
             </a:r>
           </a:p>
           <a:p>
@@ -18145,7 +18265,7 @@
             </a:pPr>
             <a:r>
               <a:rPr lang="en-US" dirty="0"/>
-              <a:t>Still nothing</a:t>
+              <a:t>Nothing squared</a:t>
             </a:r>
           </a:p>
         </p:txBody>
@@ -18468,72 +18588,114 @@
       </p:grpSpPr>
       <p:sp>
         <p:nvSpPr>
-          <p:cNvPr id="2" name="Rectangle 1"/>
-          <p:cNvSpPr/>
-          <p:nvPr/>
-        </p:nvSpPr>
-        <p:spPr>
-          <a:xfrm>
-            <a:off x="152400" y="0"/>
-            <a:ext cx="8458200" cy="5509200"/>
-          </a:xfrm>
-          <a:prstGeom prst="rect">
-            <a:avLst/>
-          </a:prstGeom>
-        </p:spPr>
-        <p:txBody>
-          <a:bodyPr wrap="square">
-            <a:spAutoFit/>
-          </a:bodyPr>
-          <a:lstStyle/>
-          <a:p>
-            <a:r>
-              <a:rPr lang="en-US" sz="3200" dirty="0"/>
-              <a:t> Say we wish to take a picture of Aunt Sally. Aunt Sally is about 1. 5m  tall. She is standing about 5m  away. Then to fit the image of Aunt Sally on our 35mm  detector, we must have	</a:t>
-            </a:r>
-          </a:p>
-          <a:p>
-            <a:endParaRPr lang="en-US" sz="3200" dirty="0"/>
-          </a:p>
-          <a:p>
-            <a:r>
-              <a:rPr lang="en-US" sz="3200" dirty="0"/>
-              <a:t>h=1.5m </a:t>
-            </a:r>
-          </a:p>
-          <a:p>
-            <a:r>
-              <a:rPr lang="en-US" sz="3200" dirty="0"/>
-              <a:t>h′=0.035m </a:t>
-            </a:r>
-          </a:p>
-          <a:p>
-            <a:r>
-              <a:rPr lang="en-US" sz="3200" dirty="0"/>
-              <a:t>s=5m </a:t>
-            </a:r>
-          </a:p>
-          <a:p>
-            <a:r>
-              <a:rPr lang="en-US" sz="3200" dirty="0"/>
-              <a:t>f=0.058m </a:t>
-            </a:r>
-          </a:p>
-          <a:p>
-            <a:endParaRPr lang="en-US" sz="3200" dirty="0"/>
-          </a:p>
-          <a:p>
-            <a:r>
-              <a:rPr lang="en-US" sz="3200" dirty="0"/>
-              <a:t>find s′ and m. </a:t>
-            </a:r>
+          <p:cNvPr id="2" name="Title 1"/>
+          <p:cNvSpPr>
+            <a:spLocks noGrp="1"/>
+          </p:cNvSpPr>
+          <p:nvPr>
+            <p:ph type="title"/>
+          </p:nvPr>
+        </p:nvSpPr>
+        <p:spPr/>
+        <p:txBody>
+          <a:bodyPr/>
+          <a:lstStyle/>
+          <a:p>
+            <a:r>
+              <a:rPr lang="en-US" dirty="0"/>
+              <a:t>Question 223.17.6.5</a:t>
+            </a:r>
+          </a:p>
+        </p:txBody>
+      </p:sp>
+      <p:sp>
+        <p:nvSpPr>
+          <p:cNvPr id="3" name="Content Placeholder 2"/>
+          <p:cNvSpPr>
+            <a:spLocks noGrp="1"/>
+          </p:cNvSpPr>
+          <p:nvPr>
+            <p:ph idx="1"/>
+          </p:nvPr>
+        </p:nvSpPr>
+        <p:spPr/>
+        <p:txBody>
+          <a:bodyPr/>
+          <a:lstStyle/>
+          <a:p>
+            <a:pPr>
+              <a:buNone/>
+            </a:pPr>
+            <a:r>
+              <a:rPr lang="en-US" dirty="0"/>
+              <a:t>For a camera, will a larger or a smaller aperture let in more light?</a:t>
+            </a:r>
+          </a:p>
+          <a:p>
+            <a:pPr marL="514350" indent="-514350">
+              <a:buFont typeface="+mj-lt"/>
+              <a:buAutoNum type="alphaLcParenR"/>
+            </a:pPr>
+            <a:r>
+              <a:rPr lang="en-US" dirty="0"/>
+              <a:t>Larger</a:t>
+            </a:r>
+          </a:p>
+          <a:p>
+            <a:pPr marL="514350" indent="-514350">
+              <a:buFont typeface="+mj-lt"/>
+              <a:buAutoNum type="alphaLcParenR"/>
+            </a:pPr>
+            <a:r>
+              <a:rPr lang="en-US" dirty="0"/>
+              <a:t>Smaller</a:t>
+            </a:r>
+          </a:p>
+          <a:p>
+            <a:pPr marL="514350" indent="-514350">
+              <a:buFont typeface="+mj-lt"/>
+              <a:buAutoNum type="alphaLcParenR"/>
+            </a:pPr>
+            <a:r>
+              <a:rPr lang="en-US" dirty="0"/>
+              <a:t>Impossible to tell</a:t>
+            </a:r>
+          </a:p>
+        </p:txBody>
+      </p:sp>
+      <p:sp>
+        <p:nvSpPr>
+          <p:cNvPr id="4" name="Slide Number Placeholder 3"/>
+          <p:cNvSpPr>
+            <a:spLocks noGrp="1"/>
+          </p:cNvSpPr>
+          <p:nvPr>
+            <p:ph type="sldNum" sz="quarter" idx="12"/>
+          </p:nvPr>
+        </p:nvSpPr>
+        <p:spPr/>
+        <p:txBody>
+          <a:bodyPr/>
+          <a:lstStyle/>
+          <a:p>
+            <a:pPr>
+              <a:defRPr/>
+            </a:pPr>
+            <a:fld id="{64137B81-8888-4253-92EC-0AED2A590749}" type="slidenum">
+              <a:rPr lang="en-US" smtClean="0"/>
+              <a:pPr>
+                <a:defRPr/>
+              </a:pPr>
+              <a:t>30</a:t>
+            </a:fld>
+            <a:endParaRPr lang="en-US"/>
           </a:p>
         </p:txBody>
       </p:sp>
     </p:spTree>
     <p:extLst>
       <p:ext uri="{BB962C8B-B14F-4D97-AF65-F5344CB8AC3E}">
-        <p14:creationId xmlns:p14="http://schemas.microsoft.com/office/powerpoint/2010/main" val="3554555186"/>
+        <p14:creationId xmlns:p14="http://schemas.microsoft.com/office/powerpoint/2010/main" val="1020316820"/>
       </p:ext>
     </p:extLst>
   </p:cSld>
@@ -18562,6 +18724,241 @@
       </p:grpSpPr>
       <p:sp>
         <p:nvSpPr>
+          <p:cNvPr id="2" name="Title 1"/>
+          <p:cNvSpPr>
+            <a:spLocks noGrp="1"/>
+          </p:cNvSpPr>
+          <p:nvPr>
+            <p:ph type="title"/>
+          </p:nvPr>
+        </p:nvSpPr>
+        <p:spPr/>
+        <p:txBody>
+          <a:bodyPr/>
+          <a:lstStyle/>
+          <a:p>
+            <a:r>
+              <a:rPr lang="en-US" dirty="0"/>
+              <a:t>Question 223.17.7</a:t>
+            </a:r>
+          </a:p>
+        </p:txBody>
+      </p:sp>
+      <p:sp>
+        <p:nvSpPr>
+          <p:cNvPr id="3" name="Content Placeholder 2"/>
+          <p:cNvSpPr>
+            <a:spLocks noGrp="1"/>
+          </p:cNvSpPr>
+          <p:nvPr>
+            <p:ph idx="1"/>
+          </p:nvPr>
+        </p:nvSpPr>
+        <p:spPr/>
+        <p:txBody>
+          <a:bodyPr/>
+          <a:lstStyle/>
+          <a:p>
+            <a:pPr>
+              <a:buNone/>
+            </a:pPr>
+            <a:r>
+              <a:rPr lang="en-US" dirty="0"/>
+              <a:t>What does the f/# tell you?</a:t>
+            </a:r>
+          </a:p>
+          <a:p>
+            <a:pPr marL="514350" indent="-514350">
+              <a:buFont typeface="+mj-lt"/>
+              <a:buAutoNum type="alphaLcParenR"/>
+            </a:pPr>
+            <a:r>
+              <a:rPr lang="en-US" dirty="0"/>
+              <a:t>It gives you a relative intensity measurement</a:t>
+            </a:r>
+          </a:p>
+          <a:p>
+            <a:pPr marL="514350" indent="-514350">
+              <a:buFont typeface="+mj-lt"/>
+              <a:buAutoNum type="alphaLcParenR"/>
+            </a:pPr>
+            <a:r>
+              <a:rPr lang="en-US" dirty="0"/>
+              <a:t>It tells you how large your lens is</a:t>
+            </a:r>
+          </a:p>
+          <a:p>
+            <a:pPr marL="514350" indent="-514350">
+              <a:buFont typeface="+mj-lt"/>
+              <a:buAutoNum type="alphaLcParenR"/>
+            </a:pPr>
+            <a:r>
+              <a:rPr lang="en-US" dirty="0"/>
+              <a:t>It tells you how flat your focal plan array is</a:t>
+            </a:r>
+          </a:p>
+          <a:p>
+            <a:pPr marL="514350" indent="-514350">
+              <a:buFont typeface="+mj-lt"/>
+              <a:buAutoNum type="alphaLcParenR"/>
+            </a:pPr>
+            <a:r>
+              <a:rPr lang="en-US" dirty="0"/>
+              <a:t>Still nothing</a:t>
+            </a:r>
+          </a:p>
+        </p:txBody>
+      </p:sp>
+      <p:sp>
+        <p:nvSpPr>
+          <p:cNvPr id="4" name="Slide Number Placeholder 3"/>
+          <p:cNvSpPr>
+            <a:spLocks noGrp="1"/>
+          </p:cNvSpPr>
+          <p:nvPr>
+            <p:ph type="sldNum" sz="quarter" idx="12"/>
+          </p:nvPr>
+        </p:nvSpPr>
+        <p:spPr/>
+        <p:txBody>
+          <a:bodyPr/>
+          <a:lstStyle/>
+          <a:p>
+            <a:pPr>
+              <a:defRPr/>
+            </a:pPr>
+            <a:fld id="{64137B81-8888-4253-92EC-0AED2A590749}" type="slidenum">
+              <a:rPr lang="en-US" smtClean="0"/>
+              <a:pPr>
+                <a:defRPr/>
+              </a:pPr>
+              <a:t>31</a:t>
+            </a:fld>
+            <a:endParaRPr lang="en-US"/>
+          </a:p>
+        </p:txBody>
+      </p:sp>
+    </p:spTree>
+  </p:cSld>
+  <p:clrMapOvr>
+    <a:masterClrMapping/>
+  </p:clrMapOvr>
+</p:sld>
+</file>
+
+<file path=ppt/slides/slide32.xml><?xml version="1.0" encoding="utf-8"?>
+<p:sld xmlns:a="http://schemas.openxmlformats.org/drawingml/2006/main" xmlns:r="http://schemas.openxmlformats.org/officeDocument/2006/relationships" xmlns:p="http://schemas.openxmlformats.org/presentationml/2006/main">
+  <p:cSld>
+    <p:spTree>
+      <p:nvGrpSpPr>
+        <p:cNvPr id="1" name=""/>
+        <p:cNvGrpSpPr/>
+        <p:nvPr/>
+      </p:nvGrpSpPr>
+      <p:grpSpPr>
+        <a:xfrm>
+          <a:off x="0" y="0"/>
+          <a:ext cx="0" cy="0"/>
+          <a:chOff x="0" y="0"/>
+          <a:chExt cx="0" cy="0"/>
+        </a:xfrm>
+      </p:grpSpPr>
+      <p:sp>
+        <p:nvSpPr>
+          <p:cNvPr id="2" name="Rectangle 1"/>
+          <p:cNvSpPr/>
+          <p:nvPr/>
+        </p:nvSpPr>
+        <p:spPr>
+          <a:xfrm>
+            <a:off x="152400" y="0"/>
+            <a:ext cx="8458200" cy="5509200"/>
+          </a:xfrm>
+          <a:prstGeom prst="rect">
+            <a:avLst/>
+          </a:prstGeom>
+        </p:spPr>
+        <p:txBody>
+          <a:bodyPr wrap="square">
+            <a:spAutoFit/>
+          </a:bodyPr>
+          <a:lstStyle/>
+          <a:p>
+            <a:r>
+              <a:rPr lang="en-US" sz="3200" dirty="0"/>
+              <a:t> Say we wish to take a picture of Aunt Sally. Aunt Sally is about 1. 5m  tall. She is standing about 5m  away. Then to fit the image of Aunt Sally on our 35mm  detector, we must have	</a:t>
+            </a:r>
+          </a:p>
+          <a:p>
+            <a:endParaRPr lang="en-US" sz="3200" dirty="0"/>
+          </a:p>
+          <a:p>
+            <a:r>
+              <a:rPr lang="en-US" sz="3200" dirty="0"/>
+              <a:t>h=1.5m </a:t>
+            </a:r>
+          </a:p>
+          <a:p>
+            <a:r>
+              <a:rPr lang="en-US" sz="3200" dirty="0"/>
+              <a:t>h′=0.035m </a:t>
+            </a:r>
+          </a:p>
+          <a:p>
+            <a:r>
+              <a:rPr lang="en-US" sz="3200" dirty="0"/>
+              <a:t>s=5m </a:t>
+            </a:r>
+          </a:p>
+          <a:p>
+            <a:r>
+              <a:rPr lang="en-US" sz="3200" dirty="0"/>
+              <a:t>f=0.058m </a:t>
+            </a:r>
+          </a:p>
+          <a:p>
+            <a:endParaRPr lang="en-US" sz="3200" dirty="0"/>
+          </a:p>
+          <a:p>
+            <a:r>
+              <a:rPr lang="en-US" sz="3200" dirty="0"/>
+              <a:t>find s′ and m. </a:t>
+            </a:r>
+          </a:p>
+        </p:txBody>
+      </p:sp>
+    </p:spTree>
+    <p:extLst>
+      <p:ext uri="{BB962C8B-B14F-4D97-AF65-F5344CB8AC3E}">
+        <p14:creationId xmlns:p14="http://schemas.microsoft.com/office/powerpoint/2010/main" val="3554555186"/>
+      </p:ext>
+    </p:extLst>
+  </p:cSld>
+  <p:clrMapOvr>
+    <a:masterClrMapping/>
+  </p:clrMapOvr>
+</p:sld>
+</file>
+
+<file path=ppt/slides/slide33.xml><?xml version="1.0" encoding="utf-8"?>
+<p:sld xmlns:a="http://schemas.openxmlformats.org/drawingml/2006/main" xmlns:r="http://schemas.openxmlformats.org/officeDocument/2006/relationships" xmlns:p="http://schemas.openxmlformats.org/presentationml/2006/main">
+  <p:cSld>
+    <p:spTree>
+      <p:nvGrpSpPr>
+        <p:cNvPr id="1" name=""/>
+        <p:cNvGrpSpPr/>
+        <p:nvPr/>
+      </p:nvGrpSpPr>
+      <p:grpSpPr>
+        <a:xfrm>
+          <a:off x="0" y="0"/>
+          <a:ext cx="0" cy="0"/>
+          <a:chOff x="0" y="0"/>
+          <a:chExt cx="0" cy="0"/>
+        </a:xfrm>
+      </p:grpSpPr>
+      <p:sp>
+        <p:nvSpPr>
           <p:cNvPr id="2" name="Rectangle 1"/>
           <p:cNvSpPr/>
           <p:nvPr/>
@@ -18637,7 +19034,7 @@
 </p:sld>
 </file>
 
-<file path=ppt/slides/slide32.xml><?xml version="1.0" encoding="utf-8"?>
+<file path=ppt/slides/slide34.xml><?xml version="1.0" encoding="utf-8"?>
 <p:sld xmlns:a="http://schemas.openxmlformats.org/drawingml/2006/main" xmlns:r="http://schemas.openxmlformats.org/officeDocument/2006/relationships" xmlns:p="http://schemas.openxmlformats.org/presentationml/2006/main">
   <p:cSld>
     <p:spTree>

--- a/Slides/PH223_Lecture_17.pptx
+++ b/Slides/PH223_Lecture_17.pptx
@@ -162,7 +162,7 @@
 <file path=ppt/revisionInfo.xml><?xml version="1.0" encoding="utf-8"?>
 <p1510:revInfo xmlns:a="http://schemas.openxmlformats.org/drawingml/2006/main" xmlns:r="http://schemas.openxmlformats.org/officeDocument/2006/relationships" xmlns:p1510="http://schemas.microsoft.com/office/powerpoint/2015/10/main">
   <p1510:revLst>
-    <p1510:client id="{7801E0AF-7AFF-4BE8-96E3-12F5CE9D27F5}" v="4" dt="2024-10-16T17:17:52.955"/>
+    <p1510:client id="{B29C5848-EB00-420A-BB2F-87C12914A50D}" v="1" dt="2024-11-27T20:51:24.159"/>
   </p1510:revLst>
 </p1510:revInfo>
 </file>
@@ -1563,6 +1563,30 @@
       </pc:sldMasterChg>
     </pc:docChg>
   </pc:docChgLst>
+  <pc:docChgLst>
+    <pc:chgData name="Lines, Todd" userId="afaf7c3a-e8aa-4568-882a-02ad8f9e19b0" providerId="ADAL" clId="{B29C5848-EB00-420A-BB2F-87C12914A50D}"/>
+    <pc:docChg chg="custSel modSld">
+      <pc:chgData name="Lines, Todd" userId="afaf7c3a-e8aa-4568-882a-02ad8f9e19b0" providerId="ADAL" clId="{B29C5848-EB00-420A-BB2F-87C12914A50D}" dt="2024-11-27T20:51:28.359" v="1" actId="21"/>
+      <pc:docMkLst>
+        <pc:docMk/>
+      </pc:docMkLst>
+      <pc:sldChg chg="delSp modSp mod">
+        <pc:chgData name="Lines, Todd" userId="afaf7c3a-e8aa-4568-882a-02ad8f9e19b0" providerId="ADAL" clId="{B29C5848-EB00-420A-BB2F-87C12914A50D}" dt="2024-11-27T20:51:28.359" v="1" actId="21"/>
+        <pc:sldMkLst>
+          <pc:docMk/>
+          <pc:sldMk cId="0" sldId="261"/>
+        </pc:sldMkLst>
+        <pc:picChg chg="del mod">
+          <ac:chgData name="Lines, Todd" userId="afaf7c3a-e8aa-4568-882a-02ad8f9e19b0" providerId="ADAL" clId="{B29C5848-EB00-420A-BB2F-87C12914A50D}" dt="2024-11-27T20:51:28.359" v="1" actId="21"/>
+          <ac:picMkLst>
+            <pc:docMk/>
+            <pc:sldMk cId="0" sldId="261"/>
+            <ac:picMk id="2" creationId="{351E89FE-15FF-7A35-0AF0-0B74C8F88E02}"/>
+          </ac:picMkLst>
+        </pc:picChg>
+      </pc:sldChg>
+    </pc:docChg>
+  </pc:docChgLst>
 </pc:chgInfo>
 </file>
 
@@ -1649,7 +1673,7 @@
             <a:fld id="{274E73DB-DBB2-4ACE-957D-285C05C6BACC}" type="datetimeFigureOut">
               <a:rPr lang="en-US" smtClean="0"/>
               <a:pPr/>
-              <a:t>10/16/2024</a:t>
+              <a:t>11/27/2024</a:t>
             </a:fld>
             <a:endParaRPr lang="en-US"/>
           </a:p>
@@ -2266,7 +2290,7 @@
             <a:fld id="{4A79DAC6-E98C-47E3-9EFD-73B2CA790042}" type="datetimeFigureOut">
               <a:rPr lang="en-US" smtClean="0"/>
               <a:pPr/>
-              <a:t>10/16/2024</a:t>
+              <a:t>11/27/2024</a:t>
             </a:fld>
             <a:endParaRPr lang="en-US"/>
           </a:p>
@@ -2431,7 +2455,7 @@
             <a:fld id="{4A79DAC6-E98C-47E3-9EFD-73B2CA790042}" type="datetimeFigureOut">
               <a:rPr lang="en-US" smtClean="0"/>
               <a:pPr/>
-              <a:t>10/16/2024</a:t>
+              <a:t>11/27/2024</a:t>
             </a:fld>
             <a:endParaRPr lang="en-US"/>
           </a:p>
@@ -2606,7 +2630,7 @@
             <a:fld id="{4A79DAC6-E98C-47E3-9EFD-73B2CA790042}" type="datetimeFigureOut">
               <a:rPr lang="en-US" smtClean="0"/>
               <a:pPr/>
-              <a:t>10/16/2024</a:t>
+              <a:t>11/27/2024</a:t>
             </a:fld>
             <a:endParaRPr lang="en-US"/>
           </a:p>
@@ -3003,7 +3027,7 @@
             <a:fld id="{4A79DAC6-E98C-47E3-9EFD-73B2CA790042}" type="datetimeFigureOut">
               <a:rPr lang="en-US" smtClean="0"/>
               <a:pPr/>
-              <a:t>10/16/2024</a:t>
+              <a:t>11/27/2024</a:t>
             </a:fld>
             <a:endParaRPr lang="en-US"/>
           </a:p>
@@ -3245,7 +3269,7 @@
             <a:fld id="{4A79DAC6-E98C-47E3-9EFD-73B2CA790042}" type="datetimeFigureOut">
               <a:rPr lang="en-US" smtClean="0"/>
               <a:pPr/>
-              <a:t>10/16/2024</a:t>
+              <a:t>11/27/2024</a:t>
             </a:fld>
             <a:endParaRPr lang="en-US"/>
           </a:p>
@@ -3527,7 +3551,7 @@
             <a:fld id="{4A79DAC6-E98C-47E3-9EFD-73B2CA790042}" type="datetimeFigureOut">
               <a:rPr lang="en-US" smtClean="0"/>
               <a:pPr/>
-              <a:t>10/16/2024</a:t>
+              <a:t>11/27/2024</a:t>
             </a:fld>
             <a:endParaRPr lang="en-US"/>
           </a:p>
@@ -3943,7 +3967,7 @@
             <a:fld id="{4A79DAC6-E98C-47E3-9EFD-73B2CA790042}" type="datetimeFigureOut">
               <a:rPr lang="en-US" smtClean="0"/>
               <a:pPr/>
-              <a:t>10/16/2024</a:t>
+              <a:t>11/27/2024</a:t>
             </a:fld>
             <a:endParaRPr lang="en-US"/>
           </a:p>
@@ -4057,7 +4081,7 @@
             <a:fld id="{4A79DAC6-E98C-47E3-9EFD-73B2CA790042}" type="datetimeFigureOut">
               <a:rPr lang="en-US" smtClean="0"/>
               <a:pPr/>
-              <a:t>10/16/2024</a:t>
+              <a:t>11/27/2024</a:t>
             </a:fld>
             <a:endParaRPr lang="en-US"/>
           </a:p>
@@ -4149,7 +4173,7 @@
             <a:fld id="{4A79DAC6-E98C-47E3-9EFD-73B2CA790042}" type="datetimeFigureOut">
               <a:rPr lang="en-US" smtClean="0"/>
               <a:pPr/>
-              <a:t>10/16/2024</a:t>
+              <a:t>11/27/2024</a:t>
             </a:fld>
             <a:endParaRPr lang="en-US"/>
           </a:p>
@@ -4421,7 +4445,7 @@
             <a:fld id="{4A79DAC6-E98C-47E3-9EFD-73B2CA790042}" type="datetimeFigureOut">
               <a:rPr lang="en-US" smtClean="0"/>
               <a:pPr/>
-              <a:t>10/16/2024</a:t>
+              <a:t>11/27/2024</a:t>
             </a:fld>
             <a:endParaRPr lang="en-US"/>
           </a:p>
@@ -4670,7 +4694,7 @@
             <a:fld id="{4A79DAC6-E98C-47E3-9EFD-73B2CA790042}" type="datetimeFigureOut">
               <a:rPr lang="en-US" smtClean="0"/>
               <a:pPr/>
-              <a:t>10/16/2024</a:t>
+              <a:t>11/27/2024</a:t>
             </a:fld>
             <a:endParaRPr lang="en-US"/>
           </a:p>
@@ -4878,7 +4902,7 @@
             <a:fld id="{4A79DAC6-E98C-47E3-9EFD-73B2CA790042}" type="datetimeFigureOut">
               <a:rPr lang="en-US" smtClean="0"/>
               <a:pPr/>
-              <a:t>10/16/2024</a:t>
+              <a:t>11/27/2024</a:t>
             </a:fld>
             <a:endParaRPr lang="en-US"/>
           </a:p>
